--- a/Hypothesis_Testing_Set_1.pptx
+++ b/Hypothesis_Testing_Set_1.pptx
@@ -5,7 +5,7 @@
     <p:sldMasterId id="2147483648" r:id="rId1"/>
   </p:sldMasterIdLst>
   <p:notesMasterIdLst>
-    <p:notesMasterId r:id="rId23"/>
+    <p:notesMasterId r:id="rId22"/>
   </p:notesMasterIdLst>
   <p:sldIdLst>
     <p:sldId id="256" r:id="rId2"/>
@@ -15,20 +15,19 @@
     <p:sldId id="260" r:id="rId6"/>
     <p:sldId id="261" r:id="rId7"/>
     <p:sldId id="262" r:id="rId8"/>
-    <p:sldId id="263" r:id="rId9"/>
+    <p:sldId id="267" r:id="rId9"/>
     <p:sldId id="264" r:id="rId10"/>
     <p:sldId id="265" r:id="rId11"/>
     <p:sldId id="266" r:id="rId12"/>
-    <p:sldId id="267" r:id="rId13"/>
-    <p:sldId id="268" r:id="rId14"/>
-    <p:sldId id="269" r:id="rId15"/>
-    <p:sldId id="270" r:id="rId16"/>
-    <p:sldId id="271" r:id="rId17"/>
-    <p:sldId id="272" r:id="rId18"/>
-    <p:sldId id="273" r:id="rId19"/>
-    <p:sldId id="274" r:id="rId20"/>
-    <p:sldId id="275" r:id="rId21"/>
-    <p:sldId id="276" r:id="rId22"/>
+    <p:sldId id="268" r:id="rId13"/>
+    <p:sldId id="269" r:id="rId14"/>
+    <p:sldId id="270" r:id="rId15"/>
+    <p:sldId id="271" r:id="rId16"/>
+    <p:sldId id="272" r:id="rId17"/>
+    <p:sldId id="273" r:id="rId18"/>
+    <p:sldId id="274" r:id="rId19"/>
+    <p:sldId id="275" r:id="rId20"/>
+    <p:sldId id="276" r:id="rId21"/>
   </p:sldIdLst>
   <p:sldSz cx="9144000" cy="6858000" type="screen4x3"/>
   <p:notesSz cx="6858000" cy="9144000"/>
@@ -7213,413 +7212,6 @@
         <p:spPr>
           <a:xfrm>
             <a:off x="365760" y="182880"/>
-            <a:ext cx="6189258" cy="584775"/>
-          </a:xfrm>
-          <a:prstGeom prst="rect">
-            <a:avLst/>
-          </a:prstGeom>
-          <a:noFill/>
-        </p:spPr>
-        <p:txBody>
-          <a:bodyPr wrap="none">
-            <a:spAutoFit/>
-          </a:bodyPr>
-          <a:lstStyle/>
-          <a:p>
-            <a:pPr>
-              <a:defRPr sz="2200" b="1"/>
-            </a:pPr>
-            <a:r>
-              <a:rPr sz="3200" dirty="0">
-                <a:latin typeface="Times New Roman" panose="02020603050405020304" pitchFamily="18" charset="0"/>
-                <a:cs typeface="Times New Roman" panose="02020603050405020304" pitchFamily="18" charset="0"/>
-              </a:rPr>
-              <a:t>Sequential Testing &amp; “p‑Hacking”</a:t>
-            </a:r>
-          </a:p>
-        </p:txBody>
-      </p:sp>
-      <p:sp>
-        <p:nvSpPr>
-          <p:cNvPr id="3" name="TextBox 2"/>
-          <p:cNvSpPr txBox="1"/>
-          <p:nvPr/>
-        </p:nvSpPr>
-        <p:spPr>
-          <a:xfrm>
-            <a:off x="365760" y="914400"/>
-            <a:ext cx="8412480" cy="4801314"/>
-          </a:xfrm>
-          <a:prstGeom prst="rect">
-            <a:avLst/>
-          </a:prstGeom>
-          <a:noFill/>
-        </p:spPr>
-        <p:txBody>
-          <a:bodyPr wrap="square">
-            <a:spAutoFit/>
-          </a:bodyPr>
-          <a:lstStyle/>
-          <a:p>
-            <a:endParaRPr dirty="0"/>
-          </a:p>
-          <a:p>
-            <a:pPr>
-              <a:defRPr sz="1200"/>
-            </a:pPr>
-            <a:r>
-              <a:rPr dirty="0">
-                <a:latin typeface="Times New Roman" panose="02020603050405020304" pitchFamily="18" charset="0"/>
-                <a:cs typeface="Times New Roman" panose="02020603050405020304" pitchFamily="18" charset="0"/>
-              </a:rPr>
-              <a:t>Topic: Inflated Type‑I Error When You Peek at the Data</a:t>
-            </a:r>
-          </a:p>
-          <a:p>
-            <a:pPr>
-              <a:defRPr sz="1200"/>
-            </a:pPr>
-            <a:endParaRPr dirty="0">
-              <a:latin typeface="Times New Roman" panose="02020603050405020304" pitchFamily="18" charset="0"/>
-              <a:cs typeface="Times New Roman" panose="02020603050405020304" pitchFamily="18" charset="0"/>
-            </a:endParaRPr>
-          </a:p>
-          <a:p>
-            <a:pPr>
-              <a:defRPr sz="1200" b="1"/>
-            </a:pPr>
-            <a:r>
-              <a:rPr dirty="0">
-                <a:latin typeface="Times New Roman" panose="02020603050405020304" pitchFamily="18" charset="0"/>
-                <a:cs typeface="Times New Roman" panose="02020603050405020304" pitchFamily="18" charset="0"/>
-              </a:rPr>
-              <a:t>Scenario &amp; Question:</a:t>
-            </a:r>
-          </a:p>
-          <a:p>
-            <a:pPr>
-              <a:defRPr sz="1200"/>
-            </a:pPr>
-            <a:r>
-              <a:rPr dirty="0">
-                <a:latin typeface="Times New Roman" panose="02020603050405020304" pitchFamily="18" charset="0"/>
-                <a:cs typeface="Times New Roman" panose="02020603050405020304" pitchFamily="18" charset="0"/>
-              </a:rPr>
-              <a:t>A product team runs an A/B test. Their original plan was n = 5 000 visitors, but at n = 5 000 the two‑sample z‑test gives p = 0.13. They add 1 000 users, re‑test, still not significant, and keep adding in blocks of 1 000 until finally at n = 8 000 the test crosses p = 0.048.</a:t>
-            </a:r>
-          </a:p>
-          <a:p>
-            <a:pPr>
-              <a:defRPr sz="1200"/>
-            </a:pPr>
-            <a:endParaRPr dirty="0">
-              <a:latin typeface="Times New Roman" panose="02020603050405020304" pitchFamily="18" charset="0"/>
-              <a:cs typeface="Times New Roman" panose="02020603050405020304" pitchFamily="18" charset="0"/>
-            </a:endParaRPr>
-          </a:p>
-          <a:p>
-            <a:pPr>
-              <a:defRPr sz="1200"/>
-            </a:pPr>
-            <a:r>
-              <a:rPr lang="en-IN" dirty="0">
-                <a:latin typeface="Times New Roman" panose="02020603050405020304" pitchFamily="18" charset="0"/>
-                <a:cs typeface="Times New Roman" panose="02020603050405020304" pitchFamily="18" charset="0"/>
-              </a:rPr>
-              <a:t>Q.1) </a:t>
-            </a:r>
-            <a:r>
-              <a:rPr dirty="0">
-                <a:latin typeface="Times New Roman" panose="02020603050405020304" pitchFamily="18" charset="0"/>
-                <a:cs typeface="Times New Roman" panose="02020603050405020304" pitchFamily="18" charset="0"/>
-              </a:rPr>
-              <a:t>What happens to the nominal α = 0.05 family‑wise error rate?</a:t>
-            </a:r>
-            <a:endParaRPr lang="en-IN" dirty="0">
-              <a:latin typeface="Times New Roman" panose="02020603050405020304" pitchFamily="18" charset="0"/>
-              <a:cs typeface="Times New Roman" panose="02020603050405020304" pitchFamily="18" charset="0"/>
-            </a:endParaRPr>
-          </a:p>
-          <a:p>
-            <a:pPr>
-              <a:defRPr sz="1200"/>
-            </a:pPr>
-            <a:r>
-              <a:rPr lang="en-IN" dirty="0">
-                <a:latin typeface="Times New Roman" panose="02020603050405020304" pitchFamily="18" charset="0"/>
-                <a:cs typeface="Times New Roman" panose="02020603050405020304" pitchFamily="18" charset="0"/>
-              </a:rPr>
-              <a:t>Q.2) </a:t>
-            </a:r>
-            <a:r>
-              <a:rPr dirty="0">
-                <a:latin typeface="Times New Roman" panose="02020603050405020304" pitchFamily="18" charset="0"/>
-                <a:cs typeface="Times New Roman" panose="02020603050405020304" pitchFamily="18" charset="0"/>
-              </a:rPr>
-              <a:t>Which formal sequential designs preserve α?</a:t>
-            </a:r>
-          </a:p>
-          <a:p>
-            <a:pPr>
-              <a:defRPr sz="1200"/>
-            </a:pPr>
-            <a:r>
-              <a:rPr lang="en-IN" dirty="0">
-                <a:latin typeface="Times New Roman" panose="02020603050405020304" pitchFamily="18" charset="0"/>
-                <a:cs typeface="Times New Roman" panose="02020603050405020304" pitchFamily="18" charset="0"/>
-              </a:rPr>
-              <a:t>Q.3) </a:t>
-            </a:r>
-            <a:r>
-              <a:rPr dirty="0">
-                <a:latin typeface="Times New Roman" panose="02020603050405020304" pitchFamily="18" charset="0"/>
-                <a:cs typeface="Times New Roman" panose="02020603050405020304" pitchFamily="18" charset="0"/>
-              </a:rPr>
-              <a:t>Why must stopping rules be written into the SAP before seeing data?</a:t>
-            </a:r>
-          </a:p>
-          <a:p>
-            <a:pPr>
-              <a:defRPr sz="1200"/>
-            </a:pPr>
-            <a:endParaRPr dirty="0">
-              <a:latin typeface="Times New Roman" panose="02020603050405020304" pitchFamily="18" charset="0"/>
-              <a:cs typeface="Times New Roman" panose="02020603050405020304" pitchFamily="18" charset="0"/>
-            </a:endParaRPr>
-          </a:p>
-          <a:p>
-            <a:pPr>
-              <a:defRPr sz="1200" b="1"/>
-            </a:pPr>
-            <a:r>
-              <a:rPr dirty="0">
-                <a:latin typeface="Times New Roman" panose="02020603050405020304" pitchFamily="18" charset="0"/>
-                <a:cs typeface="Times New Roman" panose="02020603050405020304" pitchFamily="18" charset="0"/>
-              </a:rPr>
-              <a:t>Key Definitions:</a:t>
-            </a:r>
-            <a:endParaRPr lang="en-IN" dirty="0">
-              <a:latin typeface="Times New Roman" panose="02020603050405020304" pitchFamily="18" charset="0"/>
-              <a:cs typeface="Times New Roman" panose="02020603050405020304" pitchFamily="18" charset="0"/>
-            </a:endParaRPr>
-          </a:p>
-          <a:p>
-            <a:pPr>
-              <a:defRPr sz="1200" b="1"/>
-            </a:pPr>
-            <a:endParaRPr dirty="0">
-              <a:latin typeface="Times New Roman" panose="02020603050405020304" pitchFamily="18" charset="0"/>
-              <a:cs typeface="Times New Roman" panose="02020603050405020304" pitchFamily="18" charset="0"/>
-            </a:endParaRPr>
-          </a:p>
-          <a:p>
-            <a:pPr>
-              <a:defRPr sz="1200"/>
-            </a:pPr>
-            <a:r>
-              <a:rPr lang="en-IN" sz="1400" b="1" dirty="0">
-                <a:latin typeface="Times New Roman" panose="02020603050405020304" pitchFamily="18" charset="0"/>
-                <a:cs typeface="Times New Roman" panose="02020603050405020304" pitchFamily="18" charset="0"/>
-              </a:rPr>
-              <a:t>Interim Look / Data Peek: </a:t>
-            </a:r>
-            <a:r>
-              <a:rPr lang="en-IN" sz="1400" dirty="0">
-                <a:latin typeface="Times New Roman" panose="02020603050405020304" pitchFamily="18" charset="0"/>
-                <a:cs typeface="Times New Roman" panose="02020603050405020304" pitchFamily="18" charset="0"/>
-              </a:rPr>
-              <a:t>Any analysis before final sample is accrued.</a:t>
-            </a:r>
-          </a:p>
-          <a:p>
-            <a:pPr>
-              <a:defRPr sz="1200"/>
-            </a:pPr>
-            <a:r>
-              <a:rPr lang="en-IN" sz="1400" b="1" dirty="0">
-                <a:latin typeface="Times New Roman" panose="02020603050405020304" pitchFamily="18" charset="0"/>
-                <a:cs typeface="Times New Roman" panose="02020603050405020304" pitchFamily="18" charset="0"/>
-              </a:rPr>
-              <a:t>Family‑Wise Error Rate (FWER): </a:t>
-            </a:r>
-            <a:r>
-              <a:rPr lang="en-IN" sz="1400" dirty="0">
-                <a:latin typeface="Times New Roman" panose="02020603050405020304" pitchFamily="18" charset="0"/>
-                <a:cs typeface="Times New Roman" panose="02020603050405020304" pitchFamily="18" charset="0"/>
-              </a:rPr>
-              <a:t>Probability of at least one false positive across looks.</a:t>
-            </a:r>
-          </a:p>
-          <a:p>
-            <a:pPr>
-              <a:defRPr sz="1200"/>
-            </a:pPr>
-            <a:r>
-              <a:rPr lang="el-GR" sz="1400" b="1" dirty="0">
-                <a:latin typeface="Times New Roman" panose="02020603050405020304" pitchFamily="18" charset="0"/>
-                <a:cs typeface="Times New Roman" panose="02020603050405020304" pitchFamily="18" charset="0"/>
-              </a:rPr>
-              <a:t>α‑</a:t>
-            </a:r>
-            <a:r>
-              <a:rPr lang="en-IN" sz="1400" b="1" dirty="0">
-                <a:latin typeface="Times New Roman" panose="02020603050405020304" pitchFamily="18" charset="0"/>
-                <a:cs typeface="Times New Roman" panose="02020603050405020304" pitchFamily="18" charset="0"/>
-              </a:rPr>
-              <a:t>Spending Function: </a:t>
-            </a:r>
-            <a:r>
-              <a:rPr lang="en-IN" sz="1400" dirty="0">
-                <a:latin typeface="Times New Roman" panose="02020603050405020304" pitchFamily="18" charset="0"/>
-                <a:cs typeface="Times New Roman" panose="02020603050405020304" pitchFamily="18" charset="0"/>
-              </a:rPr>
-              <a:t>Allocates the overall </a:t>
-            </a:r>
-            <a:r>
-              <a:rPr lang="el-GR" sz="1400" dirty="0">
-                <a:latin typeface="Times New Roman" panose="02020603050405020304" pitchFamily="18" charset="0"/>
-                <a:cs typeface="Times New Roman" panose="02020603050405020304" pitchFamily="18" charset="0"/>
-              </a:rPr>
-              <a:t>α </a:t>
-            </a:r>
-            <a:r>
-              <a:rPr lang="en-IN" sz="1400" dirty="0">
-                <a:latin typeface="Times New Roman" panose="02020603050405020304" pitchFamily="18" charset="0"/>
-                <a:cs typeface="Times New Roman" panose="02020603050405020304" pitchFamily="18" charset="0"/>
-              </a:rPr>
-              <a:t>budget across interim looks.</a:t>
-            </a:r>
-          </a:p>
-          <a:p>
-            <a:pPr>
-              <a:defRPr sz="1200"/>
-            </a:pPr>
-            <a:r>
-              <a:rPr lang="en-IN" sz="1400" b="1" dirty="0">
-                <a:latin typeface="Times New Roman" panose="02020603050405020304" pitchFamily="18" charset="0"/>
-                <a:cs typeface="Times New Roman" panose="02020603050405020304" pitchFamily="18" charset="0"/>
-              </a:rPr>
-              <a:t>Pocock Boundary, O’Brien–Fleming Boundary</a:t>
-            </a:r>
-            <a:r>
-              <a:rPr lang="en-IN" sz="1400" dirty="0">
-                <a:latin typeface="Times New Roman" panose="02020603050405020304" pitchFamily="18" charset="0"/>
-                <a:cs typeface="Times New Roman" panose="02020603050405020304" pitchFamily="18" charset="0"/>
-              </a:rPr>
-              <a:t>: Common frequentist spending rules.</a:t>
-            </a:r>
-          </a:p>
-          <a:p>
-            <a:pPr>
-              <a:defRPr sz="1200"/>
-            </a:pPr>
-            <a:r>
-              <a:rPr lang="en-IN" sz="1400" b="1" dirty="0">
-                <a:latin typeface="Times New Roman" panose="02020603050405020304" pitchFamily="18" charset="0"/>
-                <a:cs typeface="Times New Roman" panose="02020603050405020304" pitchFamily="18" charset="0"/>
-              </a:rPr>
-              <a:t>Alpha Inflation: </a:t>
-            </a:r>
-            <a:r>
-              <a:rPr lang="en-IN" sz="1400" dirty="0">
-                <a:latin typeface="Times New Roman" panose="02020603050405020304" pitchFamily="18" charset="0"/>
-                <a:cs typeface="Times New Roman" panose="02020603050405020304" pitchFamily="18" charset="0"/>
-              </a:rPr>
-              <a:t>Effective </a:t>
-            </a:r>
-            <a:r>
-              <a:rPr lang="el-GR" sz="1400" dirty="0">
-                <a:latin typeface="Times New Roman" panose="02020603050405020304" pitchFamily="18" charset="0"/>
-                <a:cs typeface="Times New Roman" panose="02020603050405020304" pitchFamily="18" charset="0"/>
-              </a:rPr>
-              <a:t>α′ = 1 − (1 − α)^</a:t>
-            </a:r>
-            <a:r>
-              <a:rPr lang="en-IN" sz="1400" dirty="0">
-                <a:latin typeface="Times New Roman" panose="02020603050405020304" pitchFamily="18" charset="0"/>
-                <a:cs typeface="Times New Roman" panose="02020603050405020304" pitchFamily="18" charset="0"/>
-              </a:rPr>
-              <a:t>k if k independent looks.</a:t>
-            </a:r>
-          </a:p>
-          <a:p>
-            <a:pPr>
-              <a:defRPr sz="1200"/>
-            </a:pPr>
-            <a:endParaRPr lang="en-IN" sz="1600" dirty="0">
-              <a:latin typeface="Times New Roman" panose="02020603050405020304" pitchFamily="18" charset="0"/>
-              <a:cs typeface="Times New Roman" panose="02020603050405020304" pitchFamily="18" charset="0"/>
-            </a:endParaRPr>
-          </a:p>
-          <a:p>
-            <a:pPr>
-              <a:defRPr sz="1200"/>
-            </a:pPr>
-            <a:endParaRPr dirty="0">
-              <a:latin typeface="Times New Roman" panose="02020603050405020304" pitchFamily="18" charset="0"/>
-              <a:cs typeface="Times New Roman" panose="02020603050405020304" pitchFamily="18" charset="0"/>
-            </a:endParaRPr>
-          </a:p>
-          <a:p>
-            <a:pPr>
-              <a:defRPr sz="1200" b="1"/>
-            </a:pPr>
-            <a:r>
-              <a:rPr dirty="0">
-                <a:latin typeface="Times New Roman" panose="02020603050405020304" pitchFamily="18" charset="0"/>
-                <a:cs typeface="Times New Roman" panose="02020603050405020304" pitchFamily="18" charset="0"/>
-              </a:rPr>
-              <a:t>Clinical Trial Analogue:</a:t>
-            </a:r>
-          </a:p>
-          <a:p>
-            <a:pPr>
-              <a:defRPr sz="1200"/>
-            </a:pPr>
-            <a:r>
-              <a:rPr dirty="0">
-                <a:latin typeface="Times New Roman" panose="02020603050405020304" pitchFamily="18" charset="0"/>
-                <a:cs typeface="Times New Roman" panose="02020603050405020304" pitchFamily="18" charset="0"/>
-              </a:rPr>
-              <a:t>A Phase III oncology trial plans 3 interim analyses for efficacy. What α‑spending method can be used so that the overall Type‑I error remains 2.5 % two‑sided?</a:t>
-            </a:r>
-          </a:p>
-        </p:txBody>
-      </p:sp>
-    </p:spTree>
-  </p:cSld>
-  <p:clrMapOvr>
-    <a:masterClrMapping/>
-  </p:clrMapOvr>
-</p:sld>
-</file>
-
-<file path=ppt/slides/slide13.xml><?xml version="1.0" encoding="utf-8"?>
-<p:sld xmlns:a="http://schemas.openxmlformats.org/drawingml/2006/main" xmlns:r="http://schemas.openxmlformats.org/officeDocument/2006/relationships" xmlns:p="http://schemas.openxmlformats.org/presentationml/2006/main">
-  <p:cSld>
-    <p:spTree>
-      <p:nvGrpSpPr>
-        <p:cNvPr id="1" name=""/>
-        <p:cNvGrpSpPr/>
-        <p:nvPr/>
-      </p:nvGrpSpPr>
-      <p:grpSpPr>
-        <a:xfrm>
-          <a:off x="0" y="0"/>
-          <a:ext cx="0" cy="0"/>
-          <a:chOff x="0" y="0"/>
-          <a:chExt cx="0" cy="0"/>
-        </a:xfrm>
-      </p:grpSpPr>
-      <p:sp>
-        <p:nvSpPr>
-          <p:cNvPr id="2" name="TextBox 1"/>
-          <p:cNvSpPr txBox="1"/>
-          <p:nvPr/>
-        </p:nvSpPr>
-        <p:spPr>
-          <a:xfrm>
-            <a:off x="365760" y="182880"/>
             <a:ext cx="8238474" cy="1077218"/>
           </a:xfrm>
           <a:prstGeom prst="rect">
@@ -7999,7 +7591,7 @@
 </p:sld>
 </file>
 
-<file path=ppt/slides/slide14.xml><?xml version="1.0" encoding="utf-8"?>
+<file path=ppt/slides/slide13.xml><?xml version="1.0" encoding="utf-8"?>
 <p:sld xmlns:a="http://schemas.openxmlformats.org/drawingml/2006/main" xmlns:r="http://schemas.openxmlformats.org/officeDocument/2006/relationships" xmlns:p="http://schemas.openxmlformats.org/presentationml/2006/main">
   <p:cSld>
     <p:spTree>
@@ -8456,7 +8048,7 @@
 </p:sld>
 </file>
 
-<file path=ppt/slides/slide15.xml><?xml version="1.0" encoding="utf-8"?>
+<file path=ppt/slides/slide14.xml><?xml version="1.0" encoding="utf-8"?>
 <p:sld xmlns:a="http://schemas.openxmlformats.org/drawingml/2006/main" xmlns:r="http://schemas.openxmlformats.org/officeDocument/2006/relationships" xmlns:p="http://schemas.openxmlformats.org/presentationml/2006/main">
   <p:cSld>
     <p:spTree>
@@ -8898,7 +8490,7 @@
 </p:sld>
 </file>
 
-<file path=ppt/slides/slide16.xml><?xml version="1.0" encoding="utf-8"?>
+<file path=ppt/slides/slide15.xml><?xml version="1.0" encoding="utf-8"?>
 <p:sld xmlns:a="http://schemas.openxmlformats.org/drawingml/2006/main" xmlns:r="http://schemas.openxmlformats.org/officeDocument/2006/relationships" xmlns:p="http://schemas.openxmlformats.org/presentationml/2006/main">
   <p:cSld>
     <p:spTree>
@@ -9340,7 +8932,7 @@
 </p:sld>
 </file>
 
-<file path=ppt/slides/slide17.xml><?xml version="1.0" encoding="utf-8"?>
+<file path=ppt/slides/slide16.xml><?xml version="1.0" encoding="utf-8"?>
 <p:sld xmlns:a="http://schemas.openxmlformats.org/drawingml/2006/main" xmlns:r="http://schemas.openxmlformats.org/officeDocument/2006/relationships" xmlns:p="http://schemas.openxmlformats.org/presentationml/2006/main">
   <p:cSld>
     <p:spTree>
@@ -9772,7 +9364,7 @@
 </p:sld>
 </file>
 
-<file path=ppt/slides/slide18.xml><?xml version="1.0" encoding="utf-8"?>
+<file path=ppt/slides/slide17.xml><?xml version="1.0" encoding="utf-8"?>
 <p:sld xmlns:a="http://schemas.openxmlformats.org/drawingml/2006/main" xmlns:r="http://schemas.openxmlformats.org/officeDocument/2006/relationships" xmlns:p="http://schemas.openxmlformats.org/presentationml/2006/main">
   <p:cSld>
     <p:spTree>
@@ -10177,7 +9769,7 @@
 </p:sld>
 </file>
 
-<file path=ppt/slides/slide19.xml><?xml version="1.0" encoding="utf-8"?>
+<file path=ppt/slides/slide18.xml><?xml version="1.0" encoding="utf-8"?>
 <p:sld xmlns:a="http://schemas.openxmlformats.org/drawingml/2006/main" xmlns:r="http://schemas.openxmlformats.org/officeDocument/2006/relationships" xmlns:p="http://schemas.openxmlformats.org/presentationml/2006/main">
   <p:cSld>
     <p:spTree>
@@ -10544,6 +10136,427 @@
                 <a:cs typeface="Times New Roman" panose="02020603050405020304" pitchFamily="18" charset="0"/>
               </a:rPr>
               <a:t> </a:t>
+            </a:r>
+            <a:endParaRPr dirty="0">
+              <a:latin typeface="Times New Roman" panose="02020603050405020304" pitchFamily="18" charset="0"/>
+              <a:cs typeface="Times New Roman" panose="02020603050405020304" pitchFamily="18" charset="0"/>
+            </a:endParaRPr>
+          </a:p>
+        </p:txBody>
+      </p:sp>
+    </p:spTree>
+  </p:cSld>
+  <p:clrMapOvr>
+    <a:masterClrMapping/>
+  </p:clrMapOvr>
+</p:sld>
+</file>
+
+<file path=ppt/slides/slide19.xml><?xml version="1.0" encoding="utf-8"?>
+<p:sld xmlns:a="http://schemas.openxmlformats.org/drawingml/2006/main" xmlns:r="http://schemas.openxmlformats.org/officeDocument/2006/relationships" xmlns:p="http://schemas.openxmlformats.org/presentationml/2006/main">
+  <p:cSld>
+    <p:spTree>
+      <p:nvGrpSpPr>
+        <p:cNvPr id="1" name=""/>
+        <p:cNvGrpSpPr/>
+        <p:nvPr/>
+      </p:nvGrpSpPr>
+      <p:grpSpPr>
+        <a:xfrm>
+          <a:off x="0" y="0"/>
+          <a:ext cx="0" cy="0"/>
+          <a:chOff x="0" y="0"/>
+          <a:chExt cx="0" cy="0"/>
+        </a:xfrm>
+      </p:grpSpPr>
+      <p:sp>
+        <p:nvSpPr>
+          <p:cNvPr id="2" name="TextBox 1"/>
+          <p:cNvSpPr txBox="1"/>
+          <p:nvPr/>
+        </p:nvSpPr>
+        <p:spPr>
+          <a:xfrm>
+            <a:off x="365760" y="182880"/>
+            <a:ext cx="7154844" cy="584775"/>
+          </a:xfrm>
+          <a:prstGeom prst="rect">
+            <a:avLst/>
+          </a:prstGeom>
+          <a:noFill/>
+        </p:spPr>
+        <p:txBody>
+          <a:bodyPr wrap="none">
+            <a:spAutoFit/>
+          </a:bodyPr>
+          <a:lstStyle/>
+          <a:p>
+            <a:pPr>
+              <a:defRPr sz="2200" b="1"/>
+            </a:pPr>
+            <a:r>
+              <a:rPr sz="3200" dirty="0">
+                <a:latin typeface="Times New Roman" panose="02020603050405020304" pitchFamily="18" charset="0"/>
+                <a:cs typeface="Times New Roman" panose="02020603050405020304" pitchFamily="18" charset="0"/>
+              </a:rPr>
+              <a:t>Strata‑Specific Variances &amp; Power Loss</a:t>
+            </a:r>
+          </a:p>
+        </p:txBody>
+      </p:sp>
+      <p:sp>
+        <p:nvSpPr>
+          <p:cNvPr id="3" name="TextBox 2"/>
+          <p:cNvSpPr txBox="1"/>
+          <p:nvPr/>
+        </p:nvSpPr>
+        <p:spPr>
+          <a:xfrm>
+            <a:off x="365760" y="914400"/>
+            <a:ext cx="8412480" cy="5262979"/>
+          </a:xfrm>
+          <a:prstGeom prst="rect">
+            <a:avLst/>
+          </a:prstGeom>
+          <a:noFill/>
+        </p:spPr>
+        <p:txBody>
+          <a:bodyPr wrap="square">
+            <a:spAutoFit/>
+          </a:bodyPr>
+          <a:lstStyle/>
+          <a:p>
+            <a:endParaRPr sz="1600" dirty="0">
+              <a:latin typeface="Times New Roman" panose="02020603050405020304" pitchFamily="18" charset="0"/>
+              <a:cs typeface="Times New Roman" panose="02020603050405020304" pitchFamily="18" charset="0"/>
+            </a:endParaRPr>
+          </a:p>
+          <a:p>
+            <a:pPr>
+              <a:defRPr sz="1200"/>
+            </a:pPr>
+            <a:r>
+              <a:rPr sz="1600" dirty="0">
+                <a:latin typeface="Times New Roman" panose="02020603050405020304" pitchFamily="18" charset="0"/>
+                <a:cs typeface="Times New Roman" panose="02020603050405020304" pitchFamily="18" charset="0"/>
+              </a:rPr>
+              <a:t>Topic: Unequal Variance Across Subgroups</a:t>
+            </a:r>
+          </a:p>
+          <a:p>
+            <a:pPr>
+              <a:defRPr sz="1200"/>
+            </a:pPr>
+            <a:endParaRPr dirty="0">
+              <a:latin typeface="Times New Roman" panose="02020603050405020304" pitchFamily="18" charset="0"/>
+              <a:cs typeface="Times New Roman" panose="02020603050405020304" pitchFamily="18" charset="0"/>
+            </a:endParaRPr>
+          </a:p>
+          <a:p>
+            <a:pPr>
+              <a:defRPr sz="1200" b="1"/>
+            </a:pPr>
+            <a:r>
+              <a:rPr dirty="0">
+                <a:latin typeface="Times New Roman" panose="02020603050405020304" pitchFamily="18" charset="0"/>
+                <a:cs typeface="Times New Roman" panose="02020603050405020304" pitchFamily="18" charset="0"/>
+              </a:rPr>
+              <a:t>Scenario &amp; Question:</a:t>
+            </a:r>
+          </a:p>
+          <a:p>
+            <a:pPr>
+              <a:defRPr sz="1200"/>
+            </a:pPr>
+            <a:r>
+              <a:rPr dirty="0">
+                <a:latin typeface="Times New Roman" panose="02020603050405020304" pitchFamily="18" charset="0"/>
+                <a:cs typeface="Times New Roman" panose="02020603050405020304" pitchFamily="18" charset="0"/>
+              </a:rPr>
+              <a:t>A noise‑reduction ordinance is evaluated across 30 city blocks. High‑income blocks show low residual variance; low‑income blocks show high variance. A pooled t‑test finds no difference.</a:t>
+            </a:r>
+          </a:p>
+          <a:p>
+            <a:pPr>
+              <a:defRPr sz="1200"/>
+            </a:pPr>
+            <a:endParaRPr dirty="0">
+              <a:latin typeface="Times New Roman" panose="02020603050405020304" pitchFamily="18" charset="0"/>
+              <a:cs typeface="Times New Roman" panose="02020603050405020304" pitchFamily="18" charset="0"/>
+            </a:endParaRPr>
+          </a:p>
+          <a:p>
+            <a:pPr>
+              <a:defRPr sz="1200"/>
+            </a:pPr>
+            <a:endParaRPr lang="en-IN" dirty="0">
+              <a:latin typeface="Times New Roman" panose="02020603050405020304" pitchFamily="18" charset="0"/>
+              <a:cs typeface="Times New Roman" panose="02020603050405020304" pitchFamily="18" charset="0"/>
+            </a:endParaRPr>
+          </a:p>
+          <a:p>
+            <a:pPr>
+              <a:defRPr sz="1200"/>
+            </a:pPr>
+            <a:r>
+              <a:rPr lang="en-IN" dirty="0">
+                <a:latin typeface="Times New Roman" panose="02020603050405020304" pitchFamily="18" charset="0"/>
+                <a:cs typeface="Times New Roman" panose="02020603050405020304" pitchFamily="18" charset="0"/>
+              </a:rPr>
+              <a:t>Q.1) </a:t>
+            </a:r>
+            <a:r>
+              <a:rPr dirty="0">
+                <a:latin typeface="Times New Roman" panose="02020603050405020304" pitchFamily="18" charset="0"/>
+                <a:cs typeface="Times New Roman" panose="02020603050405020304" pitchFamily="18" charset="0"/>
+              </a:rPr>
+              <a:t>How does heteroscedasticity across strata sap power?</a:t>
+            </a:r>
+          </a:p>
+          <a:p>
+            <a:pPr>
+              <a:defRPr sz="1200"/>
+            </a:pPr>
+            <a:r>
+              <a:rPr lang="en-IN" dirty="0">
+                <a:latin typeface="Times New Roman" panose="02020603050405020304" pitchFamily="18" charset="0"/>
+                <a:cs typeface="Times New Roman" panose="02020603050405020304" pitchFamily="18" charset="0"/>
+              </a:rPr>
+              <a:t>Q.2) </a:t>
+            </a:r>
+            <a:r>
+              <a:rPr dirty="0">
+                <a:latin typeface="Times New Roman" panose="02020603050405020304" pitchFamily="18" charset="0"/>
+                <a:cs typeface="Times New Roman" panose="02020603050405020304" pitchFamily="18" charset="0"/>
+              </a:rPr>
+              <a:t>Which weighted or stratified analyses recover power?</a:t>
+            </a:r>
+          </a:p>
+          <a:p>
+            <a:pPr>
+              <a:defRPr sz="1200"/>
+            </a:pPr>
+            <a:r>
+              <a:rPr lang="en-IN" dirty="0">
+                <a:latin typeface="Times New Roman" panose="02020603050405020304" pitchFamily="18" charset="0"/>
+                <a:cs typeface="Times New Roman" panose="02020603050405020304" pitchFamily="18" charset="0"/>
+              </a:rPr>
+              <a:t>Q.3) </a:t>
+            </a:r>
+            <a:r>
+              <a:rPr dirty="0">
+                <a:latin typeface="Times New Roman" panose="02020603050405020304" pitchFamily="18" charset="0"/>
+                <a:cs typeface="Times New Roman" panose="02020603050405020304" pitchFamily="18" charset="0"/>
+              </a:rPr>
+              <a:t>What is Cochran’s test for homogeneity?</a:t>
+            </a:r>
+          </a:p>
+          <a:p>
+            <a:pPr>
+              <a:defRPr sz="1200"/>
+            </a:pPr>
+            <a:endParaRPr dirty="0">
+              <a:latin typeface="Times New Roman" panose="02020603050405020304" pitchFamily="18" charset="0"/>
+              <a:cs typeface="Times New Roman" panose="02020603050405020304" pitchFamily="18" charset="0"/>
+            </a:endParaRPr>
+          </a:p>
+          <a:p>
+            <a:pPr>
+              <a:defRPr sz="1200" b="1"/>
+            </a:pPr>
+            <a:r>
+              <a:rPr sz="1600" dirty="0">
+                <a:latin typeface="Times New Roman" panose="02020603050405020304" pitchFamily="18" charset="0"/>
+                <a:cs typeface="Times New Roman" panose="02020603050405020304" pitchFamily="18" charset="0"/>
+              </a:rPr>
+              <a:t>Key Definitions:</a:t>
+            </a:r>
+            <a:endParaRPr lang="en-IN" sz="1600" dirty="0">
+              <a:latin typeface="Times New Roman" panose="02020603050405020304" pitchFamily="18" charset="0"/>
+              <a:cs typeface="Times New Roman" panose="02020603050405020304" pitchFamily="18" charset="0"/>
+            </a:endParaRPr>
+          </a:p>
+          <a:p>
+            <a:pPr>
+              <a:defRPr sz="1200" b="1"/>
+            </a:pPr>
+            <a:endParaRPr lang="en-IN" sz="1600" dirty="0">
+              <a:latin typeface="Times New Roman" panose="02020603050405020304" pitchFamily="18" charset="0"/>
+              <a:cs typeface="Times New Roman" panose="02020603050405020304" pitchFamily="18" charset="0"/>
+            </a:endParaRPr>
+          </a:p>
+          <a:p>
+            <a:pPr>
+              <a:defRPr sz="1200"/>
+            </a:pPr>
+            <a:r>
+              <a:rPr lang="en-IN" sz="1600" b="1" dirty="0">
+                <a:latin typeface="Times New Roman" panose="02020603050405020304" pitchFamily="18" charset="0"/>
+                <a:cs typeface="Times New Roman" panose="02020603050405020304" pitchFamily="18" charset="0"/>
+              </a:rPr>
+              <a:t>Levene Test / Bartlett Test: </a:t>
+            </a:r>
+            <a:r>
+              <a:rPr lang="en-IN" sz="1600" dirty="0">
+                <a:latin typeface="Times New Roman" panose="02020603050405020304" pitchFamily="18" charset="0"/>
+                <a:cs typeface="Times New Roman" panose="02020603050405020304" pitchFamily="18" charset="0"/>
+              </a:rPr>
+              <a:t>Detect unequal variances.</a:t>
+            </a:r>
+          </a:p>
+          <a:p>
+            <a:pPr>
+              <a:defRPr sz="1200"/>
+            </a:pPr>
+            <a:r>
+              <a:rPr lang="en-IN" sz="1600" b="1" dirty="0">
+                <a:latin typeface="Times New Roman" panose="02020603050405020304" pitchFamily="18" charset="0"/>
+                <a:cs typeface="Times New Roman" panose="02020603050405020304" pitchFamily="18" charset="0"/>
+              </a:rPr>
+              <a:t>Weighted Least Squares (WLS): </a:t>
+            </a:r>
+            <a:r>
+              <a:rPr lang="en-IN" sz="1600" dirty="0">
+                <a:latin typeface="Times New Roman" panose="02020603050405020304" pitchFamily="18" charset="0"/>
+                <a:cs typeface="Times New Roman" panose="02020603050405020304" pitchFamily="18" charset="0"/>
+              </a:rPr>
+              <a:t>Weights = 1/</a:t>
+            </a:r>
+            <a:r>
+              <a:rPr lang="el-GR" sz="1600" dirty="0">
+                <a:latin typeface="Times New Roman" panose="02020603050405020304" pitchFamily="18" charset="0"/>
+                <a:cs typeface="Times New Roman" panose="02020603050405020304" pitchFamily="18" charset="0"/>
+              </a:rPr>
+              <a:t>σ_</a:t>
+            </a:r>
+            <a:r>
+              <a:rPr lang="en-IN" sz="1600" dirty="0">
+                <a:latin typeface="Times New Roman" panose="02020603050405020304" pitchFamily="18" charset="0"/>
+                <a:cs typeface="Times New Roman" panose="02020603050405020304" pitchFamily="18" charset="0"/>
+              </a:rPr>
+              <a:t>i² per stratum.</a:t>
+            </a:r>
+          </a:p>
+          <a:p>
+            <a:pPr>
+              <a:defRPr sz="1200"/>
+            </a:pPr>
+            <a:r>
+              <a:rPr lang="en-IN" sz="1600" b="1" dirty="0">
+                <a:latin typeface="Times New Roman" panose="02020603050405020304" pitchFamily="18" charset="0"/>
+                <a:cs typeface="Times New Roman" panose="02020603050405020304" pitchFamily="18" charset="0"/>
+              </a:rPr>
+              <a:t>Stratified Analysis: </a:t>
+            </a:r>
+            <a:r>
+              <a:rPr lang="en-IN" sz="1600" dirty="0">
+                <a:latin typeface="Times New Roman" panose="02020603050405020304" pitchFamily="18" charset="0"/>
+                <a:cs typeface="Times New Roman" panose="02020603050405020304" pitchFamily="18" charset="0"/>
+              </a:rPr>
+              <a:t>Estimate effect within strata, combine via inverse‑variance weighting.</a:t>
+            </a:r>
+          </a:p>
+          <a:p>
+            <a:pPr>
+              <a:defRPr sz="1200"/>
+            </a:pPr>
+            <a:r>
+              <a:rPr lang="en-IN" sz="1600" b="1" dirty="0">
+                <a:latin typeface="Times New Roman" panose="02020603050405020304" pitchFamily="18" charset="0"/>
+                <a:cs typeface="Times New Roman" panose="02020603050405020304" pitchFamily="18" charset="0"/>
+              </a:rPr>
+              <a:t>Cochran–Mantel–Haenszel (CMH):</a:t>
+            </a:r>
+            <a:r>
+              <a:rPr lang="en-IN" sz="1600" dirty="0">
+                <a:latin typeface="Times New Roman" panose="02020603050405020304" pitchFamily="18" charset="0"/>
+                <a:cs typeface="Times New Roman" panose="02020603050405020304" pitchFamily="18" charset="0"/>
+              </a:rPr>
+              <a:t> Combines odds ratios across strata.</a:t>
+            </a:r>
+          </a:p>
+          <a:p>
+            <a:pPr>
+              <a:defRPr sz="1200"/>
+            </a:pPr>
+            <a:r>
+              <a:rPr lang="en-IN" sz="1600" b="1" dirty="0">
+                <a:latin typeface="Times New Roman" panose="02020603050405020304" pitchFamily="18" charset="0"/>
+                <a:cs typeface="Times New Roman" panose="02020603050405020304" pitchFamily="18" charset="0"/>
+              </a:rPr>
+              <a:t>Effective Sample Size (ESS): </a:t>
+            </a:r>
+            <a:r>
+              <a:rPr lang="en-IN" sz="1600" dirty="0">
+                <a:latin typeface="Times New Roman" panose="02020603050405020304" pitchFamily="18" charset="0"/>
+                <a:cs typeface="Times New Roman" panose="02020603050405020304" pitchFamily="18" charset="0"/>
+              </a:rPr>
+              <a:t>Shrinks when variance heterogeneous.</a:t>
+            </a:r>
+          </a:p>
+          <a:p>
+            <a:pPr>
+              <a:defRPr sz="1200"/>
+            </a:pPr>
+            <a:endParaRPr dirty="0">
+              <a:latin typeface="Times New Roman" panose="02020603050405020304" pitchFamily="18" charset="0"/>
+              <a:cs typeface="Times New Roman" panose="02020603050405020304" pitchFamily="18" charset="0"/>
+            </a:endParaRPr>
+          </a:p>
+          <a:p>
+            <a:pPr>
+              <a:defRPr sz="1200" b="1"/>
+            </a:pPr>
+            <a:endParaRPr lang="en-IN" dirty="0">
+              <a:latin typeface="Times New Roman" panose="02020603050405020304" pitchFamily="18" charset="0"/>
+              <a:cs typeface="Times New Roman" panose="02020603050405020304" pitchFamily="18" charset="0"/>
+            </a:endParaRPr>
+          </a:p>
+          <a:p>
+            <a:pPr>
+              <a:defRPr sz="1200" b="1"/>
+            </a:pPr>
+            <a:r>
+              <a:rPr dirty="0">
+                <a:latin typeface="Times New Roman" panose="02020603050405020304" pitchFamily="18" charset="0"/>
+                <a:cs typeface="Times New Roman" panose="02020603050405020304" pitchFamily="18" charset="0"/>
+              </a:rPr>
+              <a:t>Clinical Trial Analogue:</a:t>
+            </a:r>
+          </a:p>
+          <a:p>
+            <a:pPr>
+              <a:defRPr sz="1200"/>
+            </a:pPr>
+            <a:endParaRPr lang="en-US" dirty="0">
+              <a:latin typeface="Times New Roman" panose="02020603050405020304" pitchFamily="18" charset="0"/>
+              <a:cs typeface="Times New Roman" panose="02020603050405020304" pitchFamily="18" charset="0"/>
+            </a:endParaRPr>
+          </a:p>
+          <a:p>
+            <a:pPr>
+              <a:defRPr sz="1200"/>
+            </a:pPr>
+            <a:r>
+              <a:rPr lang="en-US" dirty="0">
+                <a:latin typeface="Times New Roman" panose="02020603050405020304" pitchFamily="18" charset="0"/>
+                <a:cs typeface="Times New Roman" panose="02020603050405020304" pitchFamily="18" charset="0"/>
+              </a:rPr>
+              <a:t>In a renal study, eGFR decline varies three‑fold more in moderate CKD than in mild CKD; how can weighted or stratified analyses regain power to detect a 2 ml/min treatment effect? Hint. </a:t>
+            </a:r>
+            <a:r>
+              <a:rPr lang="en-IN" dirty="0">
+                <a:latin typeface="Times New Roman" panose="02020603050405020304" pitchFamily="18" charset="0"/>
+                <a:cs typeface="Times New Roman" panose="02020603050405020304" pitchFamily="18" charset="0"/>
+              </a:rPr>
+              <a:t>Pooled ANCOVA loses power. </a:t>
+            </a:r>
+            <a:r>
+              <a:rPr lang="en-US" dirty="0">
+                <a:latin typeface="Times New Roman" panose="02020603050405020304" pitchFamily="18" charset="0"/>
+                <a:cs typeface="Times New Roman" panose="02020603050405020304" pitchFamily="18" charset="0"/>
+              </a:rPr>
+              <a:t>Use stratified ANCOVA or model interaction. </a:t>
             </a:r>
             <a:endParaRPr dirty="0">
               <a:latin typeface="Times New Roman" panose="02020603050405020304" pitchFamily="18" charset="0"/>
@@ -11102,427 +11115,6 @@
         <p:spPr>
           <a:xfrm>
             <a:off x="365760" y="182880"/>
-            <a:ext cx="7154844" cy="584775"/>
-          </a:xfrm>
-          <a:prstGeom prst="rect">
-            <a:avLst/>
-          </a:prstGeom>
-          <a:noFill/>
-        </p:spPr>
-        <p:txBody>
-          <a:bodyPr wrap="none">
-            <a:spAutoFit/>
-          </a:bodyPr>
-          <a:lstStyle/>
-          <a:p>
-            <a:pPr>
-              <a:defRPr sz="2200" b="1"/>
-            </a:pPr>
-            <a:r>
-              <a:rPr sz="3200" dirty="0">
-                <a:latin typeface="Times New Roman" panose="02020603050405020304" pitchFamily="18" charset="0"/>
-                <a:cs typeface="Times New Roman" panose="02020603050405020304" pitchFamily="18" charset="0"/>
-              </a:rPr>
-              <a:t>Strata‑Specific Variances &amp; Power Loss</a:t>
-            </a:r>
-          </a:p>
-        </p:txBody>
-      </p:sp>
-      <p:sp>
-        <p:nvSpPr>
-          <p:cNvPr id="3" name="TextBox 2"/>
-          <p:cNvSpPr txBox="1"/>
-          <p:nvPr/>
-        </p:nvSpPr>
-        <p:spPr>
-          <a:xfrm>
-            <a:off x="365760" y="914400"/>
-            <a:ext cx="8412480" cy="5262979"/>
-          </a:xfrm>
-          <a:prstGeom prst="rect">
-            <a:avLst/>
-          </a:prstGeom>
-          <a:noFill/>
-        </p:spPr>
-        <p:txBody>
-          <a:bodyPr wrap="square">
-            <a:spAutoFit/>
-          </a:bodyPr>
-          <a:lstStyle/>
-          <a:p>
-            <a:endParaRPr sz="1600" dirty="0">
-              <a:latin typeface="Times New Roman" panose="02020603050405020304" pitchFamily="18" charset="0"/>
-              <a:cs typeface="Times New Roman" panose="02020603050405020304" pitchFamily="18" charset="0"/>
-            </a:endParaRPr>
-          </a:p>
-          <a:p>
-            <a:pPr>
-              <a:defRPr sz="1200"/>
-            </a:pPr>
-            <a:r>
-              <a:rPr sz="1600" dirty="0">
-                <a:latin typeface="Times New Roman" panose="02020603050405020304" pitchFamily="18" charset="0"/>
-                <a:cs typeface="Times New Roman" panose="02020603050405020304" pitchFamily="18" charset="0"/>
-              </a:rPr>
-              <a:t>Topic: Unequal Variance Across Subgroups</a:t>
-            </a:r>
-          </a:p>
-          <a:p>
-            <a:pPr>
-              <a:defRPr sz="1200"/>
-            </a:pPr>
-            <a:endParaRPr dirty="0">
-              <a:latin typeface="Times New Roman" panose="02020603050405020304" pitchFamily="18" charset="0"/>
-              <a:cs typeface="Times New Roman" panose="02020603050405020304" pitchFamily="18" charset="0"/>
-            </a:endParaRPr>
-          </a:p>
-          <a:p>
-            <a:pPr>
-              <a:defRPr sz="1200" b="1"/>
-            </a:pPr>
-            <a:r>
-              <a:rPr dirty="0">
-                <a:latin typeface="Times New Roman" panose="02020603050405020304" pitchFamily="18" charset="0"/>
-                <a:cs typeface="Times New Roman" panose="02020603050405020304" pitchFamily="18" charset="0"/>
-              </a:rPr>
-              <a:t>Scenario &amp; Question:</a:t>
-            </a:r>
-          </a:p>
-          <a:p>
-            <a:pPr>
-              <a:defRPr sz="1200"/>
-            </a:pPr>
-            <a:r>
-              <a:rPr dirty="0">
-                <a:latin typeface="Times New Roman" panose="02020603050405020304" pitchFamily="18" charset="0"/>
-                <a:cs typeface="Times New Roman" panose="02020603050405020304" pitchFamily="18" charset="0"/>
-              </a:rPr>
-              <a:t>A noise‑reduction ordinance is evaluated across 30 city blocks. High‑income blocks show low residual variance; low‑income blocks show high variance. A pooled t‑test finds no difference.</a:t>
-            </a:r>
-          </a:p>
-          <a:p>
-            <a:pPr>
-              <a:defRPr sz="1200"/>
-            </a:pPr>
-            <a:endParaRPr dirty="0">
-              <a:latin typeface="Times New Roman" panose="02020603050405020304" pitchFamily="18" charset="0"/>
-              <a:cs typeface="Times New Roman" panose="02020603050405020304" pitchFamily="18" charset="0"/>
-            </a:endParaRPr>
-          </a:p>
-          <a:p>
-            <a:pPr>
-              <a:defRPr sz="1200"/>
-            </a:pPr>
-            <a:endParaRPr lang="en-IN" dirty="0">
-              <a:latin typeface="Times New Roman" panose="02020603050405020304" pitchFamily="18" charset="0"/>
-              <a:cs typeface="Times New Roman" panose="02020603050405020304" pitchFamily="18" charset="0"/>
-            </a:endParaRPr>
-          </a:p>
-          <a:p>
-            <a:pPr>
-              <a:defRPr sz="1200"/>
-            </a:pPr>
-            <a:r>
-              <a:rPr lang="en-IN" dirty="0">
-                <a:latin typeface="Times New Roman" panose="02020603050405020304" pitchFamily="18" charset="0"/>
-                <a:cs typeface="Times New Roman" panose="02020603050405020304" pitchFamily="18" charset="0"/>
-              </a:rPr>
-              <a:t>Q.1) </a:t>
-            </a:r>
-            <a:r>
-              <a:rPr dirty="0">
-                <a:latin typeface="Times New Roman" panose="02020603050405020304" pitchFamily="18" charset="0"/>
-                <a:cs typeface="Times New Roman" panose="02020603050405020304" pitchFamily="18" charset="0"/>
-              </a:rPr>
-              <a:t>How does heteroscedasticity across strata sap power?</a:t>
-            </a:r>
-          </a:p>
-          <a:p>
-            <a:pPr>
-              <a:defRPr sz="1200"/>
-            </a:pPr>
-            <a:r>
-              <a:rPr lang="en-IN" dirty="0">
-                <a:latin typeface="Times New Roman" panose="02020603050405020304" pitchFamily="18" charset="0"/>
-                <a:cs typeface="Times New Roman" panose="02020603050405020304" pitchFamily="18" charset="0"/>
-              </a:rPr>
-              <a:t>Q.2) </a:t>
-            </a:r>
-            <a:r>
-              <a:rPr dirty="0">
-                <a:latin typeface="Times New Roman" panose="02020603050405020304" pitchFamily="18" charset="0"/>
-                <a:cs typeface="Times New Roman" panose="02020603050405020304" pitchFamily="18" charset="0"/>
-              </a:rPr>
-              <a:t>Which weighted or stratified analyses recover power?</a:t>
-            </a:r>
-          </a:p>
-          <a:p>
-            <a:pPr>
-              <a:defRPr sz="1200"/>
-            </a:pPr>
-            <a:r>
-              <a:rPr lang="en-IN" dirty="0">
-                <a:latin typeface="Times New Roman" panose="02020603050405020304" pitchFamily="18" charset="0"/>
-                <a:cs typeface="Times New Roman" panose="02020603050405020304" pitchFamily="18" charset="0"/>
-              </a:rPr>
-              <a:t>Q.3) </a:t>
-            </a:r>
-            <a:r>
-              <a:rPr dirty="0">
-                <a:latin typeface="Times New Roman" panose="02020603050405020304" pitchFamily="18" charset="0"/>
-                <a:cs typeface="Times New Roman" panose="02020603050405020304" pitchFamily="18" charset="0"/>
-              </a:rPr>
-              <a:t>What is Cochran’s test for homogeneity?</a:t>
-            </a:r>
-          </a:p>
-          <a:p>
-            <a:pPr>
-              <a:defRPr sz="1200"/>
-            </a:pPr>
-            <a:endParaRPr dirty="0">
-              <a:latin typeface="Times New Roman" panose="02020603050405020304" pitchFamily="18" charset="0"/>
-              <a:cs typeface="Times New Roman" panose="02020603050405020304" pitchFamily="18" charset="0"/>
-            </a:endParaRPr>
-          </a:p>
-          <a:p>
-            <a:pPr>
-              <a:defRPr sz="1200" b="1"/>
-            </a:pPr>
-            <a:r>
-              <a:rPr sz="1600" dirty="0">
-                <a:latin typeface="Times New Roman" panose="02020603050405020304" pitchFamily="18" charset="0"/>
-                <a:cs typeface="Times New Roman" panose="02020603050405020304" pitchFamily="18" charset="0"/>
-              </a:rPr>
-              <a:t>Key Definitions:</a:t>
-            </a:r>
-            <a:endParaRPr lang="en-IN" sz="1600" dirty="0">
-              <a:latin typeface="Times New Roman" panose="02020603050405020304" pitchFamily="18" charset="0"/>
-              <a:cs typeface="Times New Roman" panose="02020603050405020304" pitchFamily="18" charset="0"/>
-            </a:endParaRPr>
-          </a:p>
-          <a:p>
-            <a:pPr>
-              <a:defRPr sz="1200" b="1"/>
-            </a:pPr>
-            <a:endParaRPr lang="en-IN" sz="1600" dirty="0">
-              <a:latin typeface="Times New Roman" panose="02020603050405020304" pitchFamily="18" charset="0"/>
-              <a:cs typeface="Times New Roman" panose="02020603050405020304" pitchFamily="18" charset="0"/>
-            </a:endParaRPr>
-          </a:p>
-          <a:p>
-            <a:pPr>
-              <a:defRPr sz="1200"/>
-            </a:pPr>
-            <a:r>
-              <a:rPr lang="en-IN" sz="1600" b="1" dirty="0">
-                <a:latin typeface="Times New Roman" panose="02020603050405020304" pitchFamily="18" charset="0"/>
-                <a:cs typeface="Times New Roman" panose="02020603050405020304" pitchFamily="18" charset="0"/>
-              </a:rPr>
-              <a:t>Levene Test / Bartlett Test: </a:t>
-            </a:r>
-            <a:r>
-              <a:rPr lang="en-IN" sz="1600" dirty="0">
-                <a:latin typeface="Times New Roman" panose="02020603050405020304" pitchFamily="18" charset="0"/>
-                <a:cs typeface="Times New Roman" panose="02020603050405020304" pitchFamily="18" charset="0"/>
-              </a:rPr>
-              <a:t>Detect unequal variances.</a:t>
-            </a:r>
-          </a:p>
-          <a:p>
-            <a:pPr>
-              <a:defRPr sz="1200"/>
-            </a:pPr>
-            <a:r>
-              <a:rPr lang="en-IN" sz="1600" b="1" dirty="0">
-                <a:latin typeface="Times New Roman" panose="02020603050405020304" pitchFamily="18" charset="0"/>
-                <a:cs typeface="Times New Roman" panose="02020603050405020304" pitchFamily="18" charset="0"/>
-              </a:rPr>
-              <a:t>Weighted Least Squares (WLS): </a:t>
-            </a:r>
-            <a:r>
-              <a:rPr lang="en-IN" sz="1600" dirty="0">
-                <a:latin typeface="Times New Roman" panose="02020603050405020304" pitchFamily="18" charset="0"/>
-                <a:cs typeface="Times New Roman" panose="02020603050405020304" pitchFamily="18" charset="0"/>
-              </a:rPr>
-              <a:t>Weights = 1/</a:t>
-            </a:r>
-            <a:r>
-              <a:rPr lang="el-GR" sz="1600" dirty="0">
-                <a:latin typeface="Times New Roman" panose="02020603050405020304" pitchFamily="18" charset="0"/>
-                <a:cs typeface="Times New Roman" panose="02020603050405020304" pitchFamily="18" charset="0"/>
-              </a:rPr>
-              <a:t>σ_</a:t>
-            </a:r>
-            <a:r>
-              <a:rPr lang="en-IN" sz="1600" dirty="0">
-                <a:latin typeface="Times New Roman" panose="02020603050405020304" pitchFamily="18" charset="0"/>
-                <a:cs typeface="Times New Roman" panose="02020603050405020304" pitchFamily="18" charset="0"/>
-              </a:rPr>
-              <a:t>i² per stratum.</a:t>
-            </a:r>
-          </a:p>
-          <a:p>
-            <a:pPr>
-              <a:defRPr sz="1200"/>
-            </a:pPr>
-            <a:r>
-              <a:rPr lang="en-IN" sz="1600" b="1" dirty="0">
-                <a:latin typeface="Times New Roman" panose="02020603050405020304" pitchFamily="18" charset="0"/>
-                <a:cs typeface="Times New Roman" panose="02020603050405020304" pitchFamily="18" charset="0"/>
-              </a:rPr>
-              <a:t>Stratified Analysis: </a:t>
-            </a:r>
-            <a:r>
-              <a:rPr lang="en-IN" sz="1600" dirty="0">
-                <a:latin typeface="Times New Roman" panose="02020603050405020304" pitchFamily="18" charset="0"/>
-                <a:cs typeface="Times New Roman" panose="02020603050405020304" pitchFamily="18" charset="0"/>
-              </a:rPr>
-              <a:t>Estimate effect within strata, combine via inverse‑variance weighting.</a:t>
-            </a:r>
-          </a:p>
-          <a:p>
-            <a:pPr>
-              <a:defRPr sz="1200"/>
-            </a:pPr>
-            <a:r>
-              <a:rPr lang="en-IN" sz="1600" b="1" dirty="0">
-                <a:latin typeface="Times New Roman" panose="02020603050405020304" pitchFamily="18" charset="0"/>
-                <a:cs typeface="Times New Roman" panose="02020603050405020304" pitchFamily="18" charset="0"/>
-              </a:rPr>
-              <a:t>Cochran–Mantel–Haenszel (CMH):</a:t>
-            </a:r>
-            <a:r>
-              <a:rPr lang="en-IN" sz="1600" dirty="0">
-                <a:latin typeface="Times New Roman" panose="02020603050405020304" pitchFamily="18" charset="0"/>
-                <a:cs typeface="Times New Roman" panose="02020603050405020304" pitchFamily="18" charset="0"/>
-              </a:rPr>
-              <a:t> Combines odds ratios across strata.</a:t>
-            </a:r>
-          </a:p>
-          <a:p>
-            <a:pPr>
-              <a:defRPr sz="1200"/>
-            </a:pPr>
-            <a:r>
-              <a:rPr lang="en-IN" sz="1600" b="1" dirty="0">
-                <a:latin typeface="Times New Roman" panose="02020603050405020304" pitchFamily="18" charset="0"/>
-                <a:cs typeface="Times New Roman" panose="02020603050405020304" pitchFamily="18" charset="0"/>
-              </a:rPr>
-              <a:t>Effective Sample Size (ESS): </a:t>
-            </a:r>
-            <a:r>
-              <a:rPr lang="en-IN" sz="1600" dirty="0">
-                <a:latin typeface="Times New Roman" panose="02020603050405020304" pitchFamily="18" charset="0"/>
-                <a:cs typeface="Times New Roman" panose="02020603050405020304" pitchFamily="18" charset="0"/>
-              </a:rPr>
-              <a:t>Shrinks when variance heterogeneous.</a:t>
-            </a:r>
-          </a:p>
-          <a:p>
-            <a:pPr>
-              <a:defRPr sz="1200"/>
-            </a:pPr>
-            <a:endParaRPr dirty="0">
-              <a:latin typeface="Times New Roman" panose="02020603050405020304" pitchFamily="18" charset="0"/>
-              <a:cs typeface="Times New Roman" panose="02020603050405020304" pitchFamily="18" charset="0"/>
-            </a:endParaRPr>
-          </a:p>
-          <a:p>
-            <a:pPr>
-              <a:defRPr sz="1200" b="1"/>
-            </a:pPr>
-            <a:endParaRPr lang="en-IN" dirty="0">
-              <a:latin typeface="Times New Roman" panose="02020603050405020304" pitchFamily="18" charset="0"/>
-              <a:cs typeface="Times New Roman" panose="02020603050405020304" pitchFamily="18" charset="0"/>
-            </a:endParaRPr>
-          </a:p>
-          <a:p>
-            <a:pPr>
-              <a:defRPr sz="1200" b="1"/>
-            </a:pPr>
-            <a:r>
-              <a:rPr dirty="0">
-                <a:latin typeface="Times New Roman" panose="02020603050405020304" pitchFamily="18" charset="0"/>
-                <a:cs typeface="Times New Roman" panose="02020603050405020304" pitchFamily="18" charset="0"/>
-              </a:rPr>
-              <a:t>Clinical Trial Analogue:</a:t>
-            </a:r>
-          </a:p>
-          <a:p>
-            <a:pPr>
-              <a:defRPr sz="1200"/>
-            </a:pPr>
-            <a:endParaRPr lang="en-US" dirty="0">
-              <a:latin typeface="Times New Roman" panose="02020603050405020304" pitchFamily="18" charset="0"/>
-              <a:cs typeface="Times New Roman" panose="02020603050405020304" pitchFamily="18" charset="0"/>
-            </a:endParaRPr>
-          </a:p>
-          <a:p>
-            <a:pPr>
-              <a:defRPr sz="1200"/>
-            </a:pPr>
-            <a:r>
-              <a:rPr lang="en-US" dirty="0">
-                <a:latin typeface="Times New Roman" panose="02020603050405020304" pitchFamily="18" charset="0"/>
-                <a:cs typeface="Times New Roman" panose="02020603050405020304" pitchFamily="18" charset="0"/>
-              </a:rPr>
-              <a:t>In a renal study, eGFR decline varies three‑fold more in moderate CKD than in mild CKD; how can weighted or stratified analyses regain power to detect a 2 ml/min treatment effect? Hint. </a:t>
-            </a:r>
-            <a:r>
-              <a:rPr lang="en-IN" dirty="0">
-                <a:latin typeface="Times New Roman" panose="02020603050405020304" pitchFamily="18" charset="0"/>
-                <a:cs typeface="Times New Roman" panose="02020603050405020304" pitchFamily="18" charset="0"/>
-              </a:rPr>
-              <a:t>Pooled ANCOVA loses power. </a:t>
-            </a:r>
-            <a:r>
-              <a:rPr lang="en-US" dirty="0">
-                <a:latin typeface="Times New Roman" panose="02020603050405020304" pitchFamily="18" charset="0"/>
-                <a:cs typeface="Times New Roman" panose="02020603050405020304" pitchFamily="18" charset="0"/>
-              </a:rPr>
-              <a:t>Use stratified ANCOVA or model interaction. </a:t>
-            </a:r>
-            <a:endParaRPr dirty="0">
-              <a:latin typeface="Times New Roman" panose="02020603050405020304" pitchFamily="18" charset="0"/>
-              <a:cs typeface="Times New Roman" panose="02020603050405020304" pitchFamily="18" charset="0"/>
-            </a:endParaRPr>
-          </a:p>
-        </p:txBody>
-      </p:sp>
-    </p:spTree>
-  </p:cSld>
-  <p:clrMapOvr>
-    <a:masterClrMapping/>
-  </p:clrMapOvr>
-</p:sld>
-</file>
-
-<file path=ppt/slides/slide21.xml><?xml version="1.0" encoding="utf-8"?>
-<p:sld xmlns:a="http://schemas.openxmlformats.org/drawingml/2006/main" xmlns:r="http://schemas.openxmlformats.org/officeDocument/2006/relationships" xmlns:p="http://schemas.openxmlformats.org/presentationml/2006/main">
-  <p:cSld>
-    <p:spTree>
-      <p:nvGrpSpPr>
-        <p:cNvPr id="1" name=""/>
-        <p:cNvGrpSpPr/>
-        <p:nvPr/>
-      </p:nvGrpSpPr>
-      <p:grpSpPr>
-        <a:xfrm>
-          <a:off x="0" y="0"/>
-          <a:ext cx="0" cy="0"/>
-          <a:chOff x="0" y="0"/>
-          <a:chExt cx="0" cy="0"/>
-        </a:xfrm>
-      </p:grpSpPr>
-      <p:sp>
-        <p:nvSpPr>
-          <p:cNvPr id="2" name="TextBox 1"/>
-          <p:cNvSpPr txBox="1"/>
-          <p:nvPr/>
-        </p:nvSpPr>
-        <p:spPr>
-          <a:xfrm>
-            <a:off x="365760" y="182880"/>
             <a:ext cx="6401689" cy="584775"/>
           </a:xfrm>
           <a:prstGeom prst="rect">
@@ -14257,8 +13849,43 @@
         </p:nvSpPr>
         <p:spPr>
           <a:xfrm>
-            <a:off x="274320" y="218704"/>
-            <a:ext cx="8595360" cy="584775"/>
+            <a:off x="365760" y="182880"/>
+            <a:ext cx="6189258" cy="584775"/>
+          </a:xfrm>
+          <a:prstGeom prst="rect">
+            <a:avLst/>
+          </a:prstGeom>
+          <a:noFill/>
+        </p:spPr>
+        <p:txBody>
+          <a:bodyPr wrap="none">
+            <a:spAutoFit/>
+          </a:bodyPr>
+          <a:lstStyle/>
+          <a:p>
+            <a:pPr>
+              <a:defRPr sz="2200" b="1"/>
+            </a:pPr>
+            <a:r>
+              <a:rPr sz="3200" dirty="0">
+                <a:latin typeface="Times New Roman" panose="02020603050405020304" pitchFamily="18" charset="0"/>
+                <a:cs typeface="Times New Roman" panose="02020603050405020304" pitchFamily="18" charset="0"/>
+              </a:rPr>
+              <a:t>Sequential Testing &amp; “p‑Hacking”</a:t>
+            </a:r>
+          </a:p>
+        </p:txBody>
+      </p:sp>
+      <p:sp>
+        <p:nvSpPr>
+          <p:cNvPr id="3" name="TextBox 2"/>
+          <p:cNvSpPr txBox="1"/>
+          <p:nvPr/>
+        </p:nvSpPr>
+        <p:spPr>
+          <a:xfrm>
+            <a:off x="365760" y="914400"/>
+            <a:ext cx="8412480" cy="4801314"/>
           </a:xfrm>
           <a:prstGeom prst="rect">
             <a:avLst/>
@@ -14271,41 +13898,24 @@
           </a:bodyPr>
           <a:lstStyle/>
           <a:p>
-            <a:pPr>
-              <a:defRPr sz="2400" b="1"/>
-            </a:pPr>
-            <a:r>
-              <a:rPr sz="3200" dirty="0">
-                <a:latin typeface="Times New Roman" panose="02020603050405020304" pitchFamily="18" charset="0"/>
-                <a:cs typeface="Times New Roman" panose="02020603050405020304" pitchFamily="18" charset="0"/>
-              </a:rPr>
-              <a:t>Sequential Testing and p-Hacking</a:t>
-            </a:r>
-          </a:p>
-        </p:txBody>
-      </p:sp>
-      <p:sp>
-        <p:nvSpPr>
-          <p:cNvPr id="3" name="TextBox 2"/>
-          <p:cNvSpPr txBox="1"/>
-          <p:nvPr/>
-        </p:nvSpPr>
-        <p:spPr>
-          <a:xfrm>
-            <a:off x="274320" y="822960"/>
-            <a:ext cx="8595360" cy="4893647"/>
-          </a:xfrm>
-          <a:prstGeom prst="rect">
-            <a:avLst/>
-          </a:prstGeom>
-          <a:noFill/>
-        </p:spPr>
-        <p:txBody>
-          <a:bodyPr wrap="square">
-            <a:spAutoFit/>
-          </a:bodyPr>
-          <a:lstStyle/>
-          <a:p>
+            <a:endParaRPr dirty="0"/>
+          </a:p>
+          <a:p>
+            <a:pPr>
+              <a:defRPr sz="1200"/>
+            </a:pPr>
+            <a:r>
+              <a:rPr dirty="0">
+                <a:latin typeface="Times New Roman" panose="02020603050405020304" pitchFamily="18" charset="0"/>
+                <a:cs typeface="Times New Roman" panose="02020603050405020304" pitchFamily="18" charset="0"/>
+              </a:rPr>
+              <a:t>Topic: Inflated Type‑I Error When You Peek at the Data</a:t>
+            </a:r>
+          </a:p>
+          <a:p>
+            <a:pPr>
+              <a:defRPr sz="1200"/>
+            </a:pPr>
             <a:endParaRPr dirty="0">
               <a:latin typeface="Times New Roman" panose="02020603050405020304" pitchFamily="18" charset="0"/>
               <a:cs typeface="Times New Roman" panose="02020603050405020304" pitchFamily="18" charset="0"/>
@@ -14313,24 +13923,30 @@
           </a:p>
           <a:p>
             <a:pPr>
-              <a:spcAft>
-                <a:spcPts val="0"/>
-              </a:spcAft>
-              <a:defRPr sz="1200"/>
-            </a:pPr>
-            <a:r>
-              <a:rPr sz="1600" dirty="0">
-                <a:latin typeface="Times New Roman" panose="02020603050405020304" pitchFamily="18" charset="0"/>
-                <a:cs typeface="Times New Roman" panose="02020603050405020304" pitchFamily="18" charset="0"/>
-              </a:rPr>
-              <a:t>Topic: Inflated Type‑I Error When You Peek at the Data</a:t>
-            </a:r>
-          </a:p>
-          <a:p>
-            <a:pPr>
-              <a:spcAft>
-                <a:spcPts val="0"/>
-              </a:spcAft>
+              <a:defRPr sz="1200" b="1"/>
+            </a:pPr>
+            <a:r>
+              <a:rPr dirty="0">
+                <a:latin typeface="Times New Roman" panose="02020603050405020304" pitchFamily="18" charset="0"/>
+                <a:cs typeface="Times New Roman" panose="02020603050405020304" pitchFamily="18" charset="0"/>
+              </a:rPr>
+              <a:t>Scenario &amp; Question:</a:t>
+            </a:r>
+          </a:p>
+          <a:p>
+            <a:pPr>
+              <a:defRPr sz="1200"/>
+            </a:pPr>
+            <a:r>
+              <a:rPr dirty="0">
+                <a:latin typeface="Times New Roman" panose="02020603050405020304" pitchFamily="18" charset="0"/>
+                <a:cs typeface="Times New Roman" panose="02020603050405020304" pitchFamily="18" charset="0"/>
+              </a:rPr>
+              <a:t>A product team runs an A/B test. Their original plan was n = 5 000 visitors, but at n = 5 000 the two‑sample z‑test gives p = 0.13. They add 1 000 users, re‑test, still not significant, and keep adding in blocks of 1 000 until finally at n = 8 000 the test crosses p = 0.048.</a:t>
+            </a:r>
+          </a:p>
+          <a:p>
+            <a:pPr>
               <a:defRPr sz="1200"/>
             </a:pPr>
             <a:endParaRPr dirty="0">
@@ -14340,9 +13956,76 @@
           </a:p>
           <a:p>
             <a:pPr>
-              <a:spcAft>
-                <a:spcPts val="0"/>
-              </a:spcAft>
+              <a:defRPr sz="1200"/>
+            </a:pPr>
+            <a:r>
+              <a:rPr lang="en-IN" dirty="0">
+                <a:latin typeface="Times New Roman" panose="02020603050405020304" pitchFamily="18" charset="0"/>
+                <a:cs typeface="Times New Roman" panose="02020603050405020304" pitchFamily="18" charset="0"/>
+              </a:rPr>
+              <a:t>Q.1) </a:t>
+            </a:r>
+            <a:r>
+              <a:rPr dirty="0">
+                <a:latin typeface="Times New Roman" panose="02020603050405020304" pitchFamily="18" charset="0"/>
+                <a:cs typeface="Times New Roman" panose="02020603050405020304" pitchFamily="18" charset="0"/>
+              </a:rPr>
+              <a:t>What happens to the nominal α = 0.05 family‑wise error rate?</a:t>
+            </a:r>
+            <a:endParaRPr lang="en-IN" dirty="0">
+              <a:latin typeface="Times New Roman" panose="02020603050405020304" pitchFamily="18" charset="0"/>
+              <a:cs typeface="Times New Roman" panose="02020603050405020304" pitchFamily="18" charset="0"/>
+            </a:endParaRPr>
+          </a:p>
+          <a:p>
+            <a:pPr>
+              <a:defRPr sz="1200"/>
+            </a:pPr>
+            <a:r>
+              <a:rPr lang="en-IN" dirty="0">
+                <a:latin typeface="Times New Roman" panose="02020603050405020304" pitchFamily="18" charset="0"/>
+                <a:cs typeface="Times New Roman" panose="02020603050405020304" pitchFamily="18" charset="0"/>
+              </a:rPr>
+              <a:t>Q.2) </a:t>
+            </a:r>
+            <a:r>
+              <a:rPr dirty="0">
+                <a:latin typeface="Times New Roman" panose="02020603050405020304" pitchFamily="18" charset="0"/>
+                <a:cs typeface="Times New Roman" panose="02020603050405020304" pitchFamily="18" charset="0"/>
+              </a:rPr>
+              <a:t>Which formal sequential designs preserve α?</a:t>
+            </a:r>
+          </a:p>
+          <a:p>
+            <a:pPr>
+              <a:defRPr sz="1200"/>
+            </a:pPr>
+            <a:r>
+              <a:rPr lang="en-IN" dirty="0">
+                <a:latin typeface="Times New Roman" panose="02020603050405020304" pitchFamily="18" charset="0"/>
+                <a:cs typeface="Times New Roman" panose="02020603050405020304" pitchFamily="18" charset="0"/>
+              </a:rPr>
+              <a:t>Q.3) </a:t>
+            </a:r>
+            <a:r>
+              <a:rPr dirty="0">
+                <a:latin typeface="Times New Roman" panose="02020603050405020304" pitchFamily="18" charset="0"/>
+                <a:cs typeface="Times New Roman" panose="02020603050405020304" pitchFamily="18" charset="0"/>
+              </a:rPr>
+              <a:t>Why must stopping rules be written into the SAP before seeing data?</a:t>
+            </a:r>
+          </a:p>
+          <a:p>
+            <a:pPr>
+              <a:defRPr sz="1200"/>
+            </a:pPr>
+            <a:endParaRPr dirty="0">
+              <a:latin typeface="Times New Roman" panose="02020603050405020304" pitchFamily="18" charset="0"/>
+              <a:cs typeface="Times New Roman" panose="02020603050405020304" pitchFamily="18" charset="0"/>
+            </a:endParaRPr>
+          </a:p>
+          <a:p>
+            <a:pPr>
               <a:defRPr sz="1200" b="1"/>
             </a:pPr>
             <a:r>
@@ -14350,29 +14033,184 @@
                 <a:latin typeface="Times New Roman" panose="02020603050405020304" pitchFamily="18" charset="0"/>
                 <a:cs typeface="Times New Roman" panose="02020603050405020304" pitchFamily="18" charset="0"/>
               </a:rPr>
-              <a:t>Scenario &amp; Question:</a:t>
-            </a:r>
-          </a:p>
-          <a:p>
-            <a:pPr>
-              <a:spcAft>
-                <a:spcPts val="0"/>
-              </a:spcAft>
-              <a:defRPr sz="1200"/>
+              <a:t>Key Definitions:</a:t>
+            </a:r>
+            <a:endParaRPr lang="en-IN" dirty="0">
+              <a:latin typeface="Times New Roman" panose="02020603050405020304" pitchFamily="18" charset="0"/>
+              <a:cs typeface="Times New Roman" panose="02020603050405020304" pitchFamily="18" charset="0"/>
+            </a:endParaRPr>
+          </a:p>
+          <a:p>
+            <a:pPr>
+              <a:defRPr sz="1200" b="1"/>
+            </a:pPr>
+            <a:endParaRPr dirty="0">
+              <a:latin typeface="Times New Roman" panose="02020603050405020304" pitchFamily="18" charset="0"/>
+              <a:cs typeface="Times New Roman" panose="02020603050405020304" pitchFamily="18" charset="0"/>
+            </a:endParaRPr>
+          </a:p>
+          <a:p>
+            <a:pPr>
+              <a:defRPr sz="1200"/>
+            </a:pPr>
+            <a:r>
+              <a:rPr lang="en-IN" sz="1400" b="1" dirty="0">
+                <a:latin typeface="Times New Roman" panose="02020603050405020304" pitchFamily="18" charset="0"/>
+                <a:cs typeface="Times New Roman" panose="02020603050405020304" pitchFamily="18" charset="0"/>
+              </a:rPr>
+              <a:t>Interim Look / Data Peek: </a:t>
+            </a:r>
+            <a:r>
+              <a:rPr lang="en-IN" sz="1400" dirty="0">
+                <a:latin typeface="Times New Roman" panose="02020603050405020304" pitchFamily="18" charset="0"/>
+                <a:cs typeface="Times New Roman" panose="02020603050405020304" pitchFamily="18" charset="0"/>
+              </a:rPr>
+              <a:t>Any analysis before final sample is accrued.</a:t>
+            </a:r>
+          </a:p>
+          <a:p>
+            <a:pPr>
+              <a:defRPr sz="1200"/>
+            </a:pPr>
+            <a:r>
+              <a:rPr lang="en-IN" sz="1400" b="1" dirty="0">
+                <a:latin typeface="Times New Roman" panose="02020603050405020304" pitchFamily="18" charset="0"/>
+                <a:cs typeface="Times New Roman" panose="02020603050405020304" pitchFamily="18" charset="0"/>
+              </a:rPr>
+              <a:t>Family‑Wise Error Rate (FWER): </a:t>
+            </a:r>
+            <a:r>
+              <a:rPr lang="en-IN" sz="1400" dirty="0">
+                <a:latin typeface="Times New Roman" panose="02020603050405020304" pitchFamily="18" charset="0"/>
+                <a:cs typeface="Times New Roman" panose="02020603050405020304" pitchFamily="18" charset="0"/>
+              </a:rPr>
+              <a:t>Probability of at least one false positive across looks.</a:t>
+            </a:r>
+          </a:p>
+          <a:p>
+            <a:pPr>
+              <a:defRPr sz="1200"/>
+            </a:pPr>
+            <a:r>
+              <a:rPr lang="el-GR" sz="1400" b="1" dirty="0">
+                <a:latin typeface="Times New Roman" panose="02020603050405020304" pitchFamily="18" charset="0"/>
+                <a:cs typeface="Times New Roman" panose="02020603050405020304" pitchFamily="18" charset="0"/>
+              </a:rPr>
+              <a:t>α‑</a:t>
+            </a:r>
+            <a:r>
+              <a:rPr lang="en-IN" sz="1400" b="1" dirty="0">
+                <a:latin typeface="Times New Roman" panose="02020603050405020304" pitchFamily="18" charset="0"/>
+                <a:cs typeface="Times New Roman" panose="02020603050405020304" pitchFamily="18" charset="0"/>
+              </a:rPr>
+              <a:t>Spending Function: </a:t>
+            </a:r>
+            <a:r>
+              <a:rPr lang="en-IN" sz="1400" dirty="0">
+                <a:latin typeface="Times New Roman" panose="02020603050405020304" pitchFamily="18" charset="0"/>
+                <a:cs typeface="Times New Roman" panose="02020603050405020304" pitchFamily="18" charset="0"/>
+              </a:rPr>
+              <a:t>Allocates the overall </a:t>
+            </a:r>
+            <a:r>
+              <a:rPr lang="el-GR" sz="1400" dirty="0">
+                <a:latin typeface="Times New Roman" panose="02020603050405020304" pitchFamily="18" charset="0"/>
+                <a:cs typeface="Times New Roman" panose="02020603050405020304" pitchFamily="18" charset="0"/>
+              </a:rPr>
+              <a:t>α </a:t>
+            </a:r>
+            <a:r>
+              <a:rPr lang="en-IN" sz="1400" dirty="0">
+                <a:latin typeface="Times New Roman" panose="02020603050405020304" pitchFamily="18" charset="0"/>
+                <a:cs typeface="Times New Roman" panose="02020603050405020304" pitchFamily="18" charset="0"/>
+              </a:rPr>
+              <a:t>budget across interim looks.</a:t>
+            </a:r>
+          </a:p>
+          <a:p>
+            <a:pPr>
+              <a:defRPr sz="1200"/>
+            </a:pPr>
+            <a:r>
+              <a:rPr lang="en-IN" sz="1400" b="1" dirty="0">
+                <a:latin typeface="Times New Roman" panose="02020603050405020304" pitchFamily="18" charset="0"/>
+                <a:cs typeface="Times New Roman" panose="02020603050405020304" pitchFamily="18" charset="0"/>
+              </a:rPr>
+              <a:t>Pocock Boundary, O’Brien–Fleming Boundary</a:t>
+            </a:r>
+            <a:r>
+              <a:rPr lang="en-IN" sz="1400" dirty="0">
+                <a:latin typeface="Times New Roman" panose="02020603050405020304" pitchFamily="18" charset="0"/>
+                <a:cs typeface="Times New Roman" panose="02020603050405020304" pitchFamily="18" charset="0"/>
+              </a:rPr>
+              <a:t>: Common frequentist spending rules.</a:t>
+            </a:r>
+          </a:p>
+          <a:p>
+            <a:pPr>
+              <a:defRPr sz="1200"/>
+            </a:pPr>
+            <a:r>
+              <a:rPr lang="en-IN" sz="1400" b="1" dirty="0">
+                <a:latin typeface="Times New Roman" panose="02020603050405020304" pitchFamily="18" charset="0"/>
+                <a:cs typeface="Times New Roman" panose="02020603050405020304" pitchFamily="18" charset="0"/>
+              </a:rPr>
+              <a:t>Alpha Inflation: </a:t>
+            </a:r>
+            <a:r>
+              <a:rPr lang="en-IN" sz="1400" dirty="0">
+                <a:latin typeface="Times New Roman" panose="02020603050405020304" pitchFamily="18" charset="0"/>
+                <a:cs typeface="Times New Roman" panose="02020603050405020304" pitchFamily="18" charset="0"/>
+              </a:rPr>
+              <a:t>Effective </a:t>
+            </a:r>
+            <a:r>
+              <a:rPr lang="el-GR" sz="1400" dirty="0">
+                <a:latin typeface="Times New Roman" panose="02020603050405020304" pitchFamily="18" charset="0"/>
+                <a:cs typeface="Times New Roman" panose="02020603050405020304" pitchFamily="18" charset="0"/>
+              </a:rPr>
+              <a:t>α′ = 1 − (1 − α)^</a:t>
+            </a:r>
+            <a:r>
+              <a:rPr lang="en-IN" sz="1400" dirty="0">
+                <a:latin typeface="Times New Roman" panose="02020603050405020304" pitchFamily="18" charset="0"/>
+                <a:cs typeface="Times New Roman" panose="02020603050405020304" pitchFamily="18" charset="0"/>
+              </a:rPr>
+              <a:t>k if k independent looks.</a:t>
+            </a:r>
+          </a:p>
+          <a:p>
+            <a:pPr>
+              <a:defRPr sz="1200"/>
+            </a:pPr>
+            <a:endParaRPr lang="en-IN" sz="1600" dirty="0">
+              <a:latin typeface="Times New Roman" panose="02020603050405020304" pitchFamily="18" charset="0"/>
+              <a:cs typeface="Times New Roman" panose="02020603050405020304" pitchFamily="18" charset="0"/>
+            </a:endParaRPr>
+          </a:p>
+          <a:p>
+            <a:pPr>
+              <a:defRPr sz="1200"/>
+            </a:pPr>
+            <a:endParaRPr dirty="0">
+              <a:latin typeface="Times New Roman" panose="02020603050405020304" pitchFamily="18" charset="0"/>
+              <a:cs typeface="Times New Roman" panose="02020603050405020304" pitchFamily="18" charset="0"/>
+            </a:endParaRPr>
+          </a:p>
+          <a:p>
+            <a:pPr>
+              <a:defRPr sz="1200" b="1"/>
             </a:pPr>
             <a:r>
               <a:rPr dirty="0">
                 <a:latin typeface="Times New Roman" panose="02020603050405020304" pitchFamily="18" charset="0"/>
                 <a:cs typeface="Times New Roman" panose="02020603050405020304" pitchFamily="18" charset="0"/>
               </a:rPr>
-              <a:t>An A/B test planned for n = 5 000 gets p = 0.13. The team adds 1 000 users at a time until n = 8 000 and finally achieves p = 0.048.</a:t>
-            </a:r>
-          </a:p>
-          <a:p>
-            <a:pPr>
-              <a:spcAft>
-                <a:spcPts val="0"/>
-              </a:spcAft>
+              <a:t>Clinical Trial Analogue:</a:t>
+            </a:r>
+          </a:p>
+          <a:p>
+            <a:pPr>
               <a:defRPr sz="1200"/>
             </a:pPr>
             <a:r>
@@ -14380,328 +14218,17 @@
                 <a:latin typeface="Times New Roman" panose="02020603050405020304" pitchFamily="18" charset="0"/>
                 <a:cs typeface="Times New Roman" panose="02020603050405020304" pitchFamily="18" charset="0"/>
               </a:rPr>
-              <a:t> </a:t>
-            </a:r>
-            <a:endParaRPr lang="en-IN" dirty="0">
-              <a:latin typeface="Times New Roman" panose="02020603050405020304" pitchFamily="18" charset="0"/>
-              <a:cs typeface="Times New Roman" panose="02020603050405020304" pitchFamily="18" charset="0"/>
-            </a:endParaRPr>
-          </a:p>
-          <a:p>
-            <a:pPr>
-              <a:spcAft>
-                <a:spcPts val="0"/>
-              </a:spcAft>
-              <a:defRPr sz="1200"/>
-            </a:pPr>
-            <a:r>
-              <a:rPr lang="en-IN" dirty="0">
-                <a:latin typeface="Times New Roman" panose="02020603050405020304" pitchFamily="18" charset="0"/>
-                <a:cs typeface="Times New Roman" panose="02020603050405020304" pitchFamily="18" charset="0"/>
-              </a:rPr>
-              <a:t>Q.1) </a:t>
-            </a:r>
-            <a:r>
-              <a:rPr dirty="0">
-                <a:latin typeface="Times New Roman" panose="02020603050405020304" pitchFamily="18" charset="0"/>
-                <a:cs typeface="Times New Roman" panose="02020603050405020304" pitchFamily="18" charset="0"/>
-              </a:rPr>
-              <a:t>What happens to the nominal α = 0.05?</a:t>
-            </a:r>
-          </a:p>
-          <a:p>
-            <a:pPr>
-              <a:spcAft>
-                <a:spcPts val="0"/>
-              </a:spcAft>
-              <a:defRPr sz="1200"/>
-            </a:pPr>
-            <a:r>
-              <a:rPr lang="en-IN" dirty="0">
-                <a:latin typeface="Times New Roman" panose="02020603050405020304" pitchFamily="18" charset="0"/>
-                <a:cs typeface="Times New Roman" panose="02020603050405020304" pitchFamily="18" charset="0"/>
-              </a:rPr>
-              <a:t>Q.2) </a:t>
-            </a:r>
-            <a:r>
-              <a:rPr dirty="0">
-                <a:latin typeface="Times New Roman" panose="02020603050405020304" pitchFamily="18" charset="0"/>
-                <a:cs typeface="Times New Roman" panose="02020603050405020304" pitchFamily="18" charset="0"/>
-              </a:rPr>
-              <a:t>Which sequential designs preserve α?</a:t>
-            </a:r>
-          </a:p>
-          <a:p>
-            <a:pPr>
-              <a:spcAft>
-                <a:spcPts val="0"/>
-              </a:spcAft>
-              <a:defRPr sz="1200"/>
-            </a:pPr>
-            <a:r>
-              <a:rPr lang="en-IN" dirty="0">
-                <a:latin typeface="Times New Roman" panose="02020603050405020304" pitchFamily="18" charset="0"/>
-                <a:cs typeface="Times New Roman" panose="02020603050405020304" pitchFamily="18" charset="0"/>
-              </a:rPr>
-              <a:t>Q.3) </a:t>
-            </a:r>
-            <a:r>
-              <a:rPr dirty="0">
-                <a:latin typeface="Times New Roman" panose="02020603050405020304" pitchFamily="18" charset="0"/>
-                <a:cs typeface="Times New Roman" panose="02020603050405020304" pitchFamily="18" charset="0"/>
-              </a:rPr>
-              <a:t>Why must stopping rules be written into the SAP before seeing data?</a:t>
-            </a:r>
-          </a:p>
-          <a:p>
-            <a:pPr>
-              <a:spcAft>
-                <a:spcPts val="0"/>
-              </a:spcAft>
-              <a:defRPr sz="1200"/>
-            </a:pPr>
-            <a:endParaRPr dirty="0">
-              <a:latin typeface="Times New Roman" panose="02020603050405020304" pitchFamily="18" charset="0"/>
-              <a:cs typeface="Times New Roman" panose="02020603050405020304" pitchFamily="18" charset="0"/>
-            </a:endParaRPr>
-          </a:p>
-          <a:p>
-            <a:pPr>
-              <a:spcAft>
-                <a:spcPts val="0"/>
-              </a:spcAft>
-              <a:defRPr sz="1200" b="1"/>
-            </a:pPr>
-            <a:r>
-              <a:rPr sz="1400" dirty="0">
-                <a:latin typeface="Times New Roman" panose="02020603050405020304" pitchFamily="18" charset="0"/>
-                <a:cs typeface="Times New Roman" panose="02020603050405020304" pitchFamily="18" charset="0"/>
-              </a:rPr>
-              <a:t>Key Definitions:</a:t>
-            </a:r>
-          </a:p>
-          <a:p>
-            <a:pPr>
-              <a:spcAft>
-                <a:spcPts val="0"/>
-              </a:spcAft>
-              <a:defRPr sz="1200"/>
-            </a:pPr>
-            <a:r>
-              <a:rPr sz="1400" dirty="0">
-                <a:latin typeface="Times New Roman" panose="02020603050405020304" pitchFamily="18" charset="0"/>
-                <a:cs typeface="Times New Roman" panose="02020603050405020304" pitchFamily="18" charset="0"/>
-              </a:rPr>
-              <a:t> </a:t>
-            </a:r>
-            <a:endParaRPr lang="en-IN" sz="1400" dirty="0">
-              <a:latin typeface="Times New Roman" panose="02020603050405020304" pitchFamily="18" charset="0"/>
-              <a:cs typeface="Times New Roman" panose="02020603050405020304" pitchFamily="18" charset="0"/>
-            </a:endParaRPr>
-          </a:p>
-          <a:p>
-            <a:pPr>
-              <a:spcAft>
-                <a:spcPts val="0"/>
-              </a:spcAft>
-              <a:defRPr sz="1200"/>
-            </a:pPr>
-            <a:r>
-              <a:rPr sz="1400" b="1" dirty="0">
-                <a:latin typeface="Times New Roman" panose="02020603050405020304" pitchFamily="18" charset="0"/>
-                <a:cs typeface="Times New Roman" panose="02020603050405020304" pitchFamily="18" charset="0"/>
-              </a:rPr>
-              <a:t>Interim Look / Data Peek: </a:t>
-            </a:r>
-            <a:r>
-              <a:rPr sz="1400" dirty="0">
-                <a:latin typeface="Times New Roman" panose="02020603050405020304" pitchFamily="18" charset="0"/>
-                <a:cs typeface="Times New Roman" panose="02020603050405020304" pitchFamily="18" charset="0"/>
-              </a:rPr>
-              <a:t>Any analysis before final sample is accrued.</a:t>
-            </a:r>
-          </a:p>
-          <a:p>
-            <a:pPr>
-              <a:spcAft>
-                <a:spcPts val="0"/>
-              </a:spcAft>
-              <a:defRPr sz="1200"/>
-            </a:pPr>
-            <a:r>
-              <a:rPr sz="1400" b="1" dirty="0">
-                <a:latin typeface="Times New Roman" panose="02020603050405020304" pitchFamily="18" charset="0"/>
-                <a:cs typeface="Times New Roman" panose="02020603050405020304" pitchFamily="18" charset="0"/>
-              </a:rPr>
-              <a:t>Family‑Wise Error Rate (FWER): </a:t>
-            </a:r>
-            <a:r>
-              <a:rPr sz="1400" dirty="0">
-                <a:latin typeface="Times New Roman" panose="02020603050405020304" pitchFamily="18" charset="0"/>
-                <a:cs typeface="Times New Roman" panose="02020603050405020304" pitchFamily="18" charset="0"/>
-              </a:rPr>
-              <a:t>Probability of ≥1 false positive across looks.</a:t>
-            </a:r>
-          </a:p>
-          <a:p>
-            <a:pPr>
-              <a:spcAft>
-                <a:spcPts val="0"/>
-              </a:spcAft>
-              <a:defRPr sz="1200"/>
-            </a:pPr>
-            <a:r>
-              <a:rPr sz="1400" b="1" dirty="0">
-                <a:latin typeface="Times New Roman" panose="02020603050405020304" pitchFamily="18" charset="0"/>
-                <a:cs typeface="Times New Roman" panose="02020603050405020304" pitchFamily="18" charset="0"/>
-              </a:rPr>
-              <a:t>α‑Spending Function: </a:t>
-            </a:r>
-            <a:r>
-              <a:rPr sz="1400" dirty="0">
-                <a:latin typeface="Times New Roman" panose="02020603050405020304" pitchFamily="18" charset="0"/>
-                <a:cs typeface="Times New Roman" panose="02020603050405020304" pitchFamily="18" charset="0"/>
-              </a:rPr>
-              <a:t>Allocates overall α across interim looks.</a:t>
-            </a:r>
-          </a:p>
-          <a:p>
-            <a:pPr>
-              <a:spcAft>
-                <a:spcPts val="0"/>
-              </a:spcAft>
-              <a:defRPr sz="1200"/>
-            </a:pPr>
-            <a:r>
-              <a:rPr sz="1400" b="1" dirty="0">
-                <a:latin typeface="Times New Roman" panose="02020603050405020304" pitchFamily="18" charset="0"/>
-                <a:cs typeface="Times New Roman" panose="02020603050405020304" pitchFamily="18" charset="0"/>
-              </a:rPr>
-              <a:t>Pocock and O’Brien–Fleming Boundaries: </a:t>
-            </a:r>
-            <a:r>
-              <a:rPr sz="1400" dirty="0">
-                <a:latin typeface="Times New Roman" panose="02020603050405020304" pitchFamily="18" charset="0"/>
-                <a:cs typeface="Times New Roman" panose="02020603050405020304" pitchFamily="18" charset="0"/>
-              </a:rPr>
-              <a:t>Common spending rules.</a:t>
-            </a:r>
-            <a:endParaRPr lang="en-IN" sz="1400" dirty="0">
-              <a:latin typeface="Times New Roman" panose="02020603050405020304" pitchFamily="18" charset="0"/>
-              <a:cs typeface="Times New Roman" panose="02020603050405020304" pitchFamily="18" charset="0"/>
-            </a:endParaRPr>
-          </a:p>
-          <a:p>
-            <a:pPr>
-              <a:spcAft>
-                <a:spcPts val="0"/>
-              </a:spcAft>
-              <a:defRPr sz="1200"/>
-            </a:pPr>
-            <a:r>
-              <a:rPr sz="1400" b="1" dirty="0">
-                <a:latin typeface="Times New Roman" panose="02020603050405020304" pitchFamily="18" charset="0"/>
-                <a:cs typeface="Times New Roman" panose="02020603050405020304" pitchFamily="18" charset="0"/>
-              </a:rPr>
-              <a:t>Alpha Inflation: </a:t>
-            </a:r>
-            <a:r>
-              <a:rPr sz="1400" dirty="0">
-                <a:latin typeface="Times New Roman" panose="02020603050405020304" pitchFamily="18" charset="0"/>
-                <a:cs typeface="Times New Roman" panose="02020603050405020304" pitchFamily="18" charset="0"/>
-              </a:rPr>
-              <a:t>Effective α′ = 1 − (1 − α)^k with k looks.</a:t>
-            </a:r>
-          </a:p>
-          <a:p>
-            <a:pPr>
-              <a:spcAft>
-                <a:spcPts val="0"/>
-              </a:spcAft>
-              <a:defRPr sz="1200"/>
-            </a:pPr>
-            <a:endParaRPr dirty="0">
-              <a:latin typeface="Times New Roman" panose="02020603050405020304" pitchFamily="18" charset="0"/>
-              <a:cs typeface="Times New Roman" panose="02020603050405020304" pitchFamily="18" charset="0"/>
-            </a:endParaRPr>
-          </a:p>
-          <a:p>
-            <a:pPr>
-              <a:spcAft>
-                <a:spcPts val="0"/>
-              </a:spcAft>
-              <a:defRPr sz="1200" b="1"/>
-            </a:pPr>
-            <a:endParaRPr lang="en-IN" dirty="0">
-              <a:latin typeface="Times New Roman" panose="02020603050405020304" pitchFamily="18" charset="0"/>
-              <a:cs typeface="Times New Roman" panose="02020603050405020304" pitchFamily="18" charset="0"/>
-            </a:endParaRPr>
-          </a:p>
-          <a:p>
-            <a:pPr>
-              <a:spcAft>
-                <a:spcPts val="0"/>
-              </a:spcAft>
-              <a:defRPr sz="1200" b="1"/>
-            </a:pPr>
-            <a:endParaRPr lang="en-IN" dirty="0">
-              <a:latin typeface="Times New Roman" panose="02020603050405020304" pitchFamily="18" charset="0"/>
-              <a:cs typeface="Times New Roman" panose="02020603050405020304" pitchFamily="18" charset="0"/>
-            </a:endParaRPr>
-          </a:p>
-          <a:p>
-            <a:pPr>
-              <a:spcAft>
-                <a:spcPts val="0"/>
-              </a:spcAft>
-              <a:defRPr sz="1200" b="1"/>
-            </a:pPr>
-            <a:r>
-              <a:rPr dirty="0">
-                <a:latin typeface="Times New Roman" panose="02020603050405020304" pitchFamily="18" charset="0"/>
-                <a:cs typeface="Times New Roman" panose="02020603050405020304" pitchFamily="18" charset="0"/>
-              </a:rPr>
-              <a:t>Clinical Trial Analogue:</a:t>
-            </a:r>
-            <a:endParaRPr lang="en-IN" dirty="0">
-              <a:latin typeface="Times New Roman" panose="02020603050405020304" pitchFamily="18" charset="0"/>
-              <a:cs typeface="Times New Roman" panose="02020603050405020304" pitchFamily="18" charset="0"/>
-            </a:endParaRPr>
-          </a:p>
-          <a:p>
-            <a:pPr>
-              <a:spcAft>
-                <a:spcPts val="0"/>
-              </a:spcAft>
-              <a:defRPr sz="1200" b="1"/>
-            </a:pPr>
-            <a:endParaRPr dirty="0">
-              <a:latin typeface="Times New Roman" panose="02020603050405020304" pitchFamily="18" charset="0"/>
-              <a:cs typeface="Times New Roman" panose="02020603050405020304" pitchFamily="18" charset="0"/>
-            </a:endParaRPr>
-          </a:p>
-          <a:p>
-            <a:pPr>
-              <a:spcAft>
-                <a:spcPts val="0"/>
-              </a:spcAft>
-              <a:defRPr sz="1200"/>
-            </a:pPr>
-            <a:r>
-              <a:rPr lang="en-US" dirty="0">
-                <a:latin typeface="Times New Roman" panose="02020603050405020304" pitchFamily="18" charset="0"/>
-                <a:cs typeface="Times New Roman" panose="02020603050405020304" pitchFamily="18" charset="0"/>
-              </a:rPr>
-              <a:t>An adaptive efficacy Phase III oncology trial plans 3 interim analyses. They kept peeking weekly and finally stopped when p dipped just below 0.05 after six unplanned looks; has the study still respected its promised two‑sided 2.5 % error rate?</a:t>
-            </a:r>
-            <a:endParaRPr dirty="0">
-              <a:latin typeface="Times New Roman" panose="02020603050405020304" pitchFamily="18" charset="0"/>
-              <a:cs typeface="Times New Roman" panose="02020603050405020304" pitchFamily="18" charset="0"/>
-            </a:endParaRPr>
+              <a:t>A Phase III oncology trial plans 3 interim analyses for efficacy. What α‑spending method can be used so that the overall Type‑I error remains 2.5 % two‑sided?</a:t>
+            </a:r>
           </a:p>
         </p:txBody>
       </p:sp>
     </p:spTree>
+    <p:extLst>
+      <p:ext uri="{BB962C8B-B14F-4D97-AF65-F5344CB8AC3E}">
+        <p14:creationId xmlns:p14="http://schemas.microsoft.com/office/powerpoint/2010/main" val="530103686"/>
+      </p:ext>
+    </p:extLst>
   </p:cSld>
   <p:clrMapOvr>
     <a:masterClrMapping/>
